--- a/docs/gpk/CreateGPK Smart Contract Design.pptx
+++ b/docs/gpk/CreateGPK Smart Contract Design.pptx
@@ -322,7 +322,7 @@
           <a:p>
             <a:fld id="{FD517E97-6BF8-4C66-803D-2664C3B15861}" type="datetimeFigureOut">
               <a:rPr lang="zh-CN" altLang="en-US" smtClean="0"/>
-              <a:t>2020/5/7</a:t>
+              <a:t>2020/5/13</a:t>
             </a:fld>
             <a:endParaRPr lang="zh-CN" altLang="en-US"/>
           </a:p>
@@ -520,7 +520,7 @@
           <a:p>
             <a:fld id="{FD517E97-6BF8-4C66-803D-2664C3B15861}" type="datetimeFigureOut">
               <a:rPr lang="zh-CN" altLang="en-US" smtClean="0"/>
-              <a:t>2020/5/7</a:t>
+              <a:t>2020/5/13</a:t>
             </a:fld>
             <a:endParaRPr lang="zh-CN" altLang="en-US"/>
           </a:p>
@@ -728,7 +728,7 @@
           <a:p>
             <a:fld id="{FD517E97-6BF8-4C66-803D-2664C3B15861}" type="datetimeFigureOut">
               <a:rPr lang="zh-CN" altLang="en-US" smtClean="0"/>
-              <a:t>2020/5/7</a:t>
+              <a:t>2020/5/13</a:t>
             </a:fld>
             <a:endParaRPr lang="zh-CN" altLang="en-US"/>
           </a:p>
@@ -926,7 +926,7 @@
           <a:p>
             <a:fld id="{FD517E97-6BF8-4C66-803D-2664C3B15861}" type="datetimeFigureOut">
               <a:rPr lang="zh-CN" altLang="en-US" smtClean="0"/>
-              <a:t>2020/5/7</a:t>
+              <a:t>2020/5/13</a:t>
             </a:fld>
             <a:endParaRPr lang="zh-CN" altLang="en-US"/>
           </a:p>
@@ -1201,7 +1201,7 @@
           <a:p>
             <a:fld id="{FD517E97-6BF8-4C66-803D-2664C3B15861}" type="datetimeFigureOut">
               <a:rPr lang="zh-CN" altLang="en-US" smtClean="0"/>
-              <a:t>2020/5/7</a:t>
+              <a:t>2020/5/13</a:t>
             </a:fld>
             <a:endParaRPr lang="zh-CN" altLang="en-US"/>
           </a:p>
@@ -1466,7 +1466,7 @@
           <a:p>
             <a:fld id="{FD517E97-6BF8-4C66-803D-2664C3B15861}" type="datetimeFigureOut">
               <a:rPr lang="zh-CN" altLang="en-US" smtClean="0"/>
-              <a:t>2020/5/7</a:t>
+              <a:t>2020/5/13</a:t>
             </a:fld>
             <a:endParaRPr lang="zh-CN" altLang="en-US"/>
           </a:p>
@@ -1878,7 +1878,7 @@
           <a:p>
             <a:fld id="{FD517E97-6BF8-4C66-803D-2664C3B15861}" type="datetimeFigureOut">
               <a:rPr lang="zh-CN" altLang="en-US" smtClean="0"/>
-              <a:t>2020/5/7</a:t>
+              <a:t>2020/5/13</a:t>
             </a:fld>
             <a:endParaRPr lang="zh-CN" altLang="en-US"/>
           </a:p>
@@ -2019,7 +2019,7 @@
           <a:p>
             <a:fld id="{FD517E97-6BF8-4C66-803D-2664C3B15861}" type="datetimeFigureOut">
               <a:rPr lang="zh-CN" altLang="en-US" smtClean="0"/>
-              <a:t>2020/5/7</a:t>
+              <a:t>2020/5/13</a:t>
             </a:fld>
             <a:endParaRPr lang="zh-CN" altLang="en-US"/>
           </a:p>
@@ -2132,7 +2132,7 @@
           <a:p>
             <a:fld id="{FD517E97-6BF8-4C66-803D-2664C3B15861}" type="datetimeFigureOut">
               <a:rPr lang="zh-CN" altLang="en-US" smtClean="0"/>
-              <a:t>2020/5/7</a:t>
+              <a:t>2020/5/13</a:t>
             </a:fld>
             <a:endParaRPr lang="zh-CN" altLang="en-US"/>
           </a:p>
@@ -2443,7 +2443,7 @@
           <a:p>
             <a:fld id="{FD517E97-6BF8-4C66-803D-2664C3B15861}" type="datetimeFigureOut">
               <a:rPr lang="zh-CN" altLang="en-US" smtClean="0"/>
-              <a:t>2020/5/7</a:t>
+              <a:t>2020/5/13</a:t>
             </a:fld>
             <a:endParaRPr lang="zh-CN" altLang="en-US"/>
           </a:p>
@@ -2731,7 +2731,7 @@
           <a:p>
             <a:fld id="{FD517E97-6BF8-4C66-803D-2664C3B15861}" type="datetimeFigureOut">
               <a:rPr lang="zh-CN" altLang="en-US" smtClean="0"/>
-              <a:t>2020/5/7</a:t>
+              <a:t>2020/5/13</a:t>
             </a:fld>
             <a:endParaRPr lang="zh-CN" altLang="en-US"/>
           </a:p>
@@ -2972,7 +2972,7 @@
           <a:p>
             <a:fld id="{FD517E97-6BF8-4C66-803D-2664C3B15861}" type="datetimeFigureOut">
               <a:rPr lang="zh-CN" altLang="en-US" smtClean="0"/>
-              <a:t>2020/5/7</a:t>
+              <a:t>2020/5/13</a:t>
             </a:fld>
             <a:endParaRPr lang="zh-CN" altLang="en-US"/>
           </a:p>

--- a/docs/gpk/CreateGPK Smart Contract Design.pptx
+++ b/docs/gpk/CreateGPK Smart Contract Design.pptx
@@ -4,6 +4,9 @@
   <p:sldMasterIdLst>
     <p:sldMasterId id="2147483648" r:id="rId1"/>
   </p:sldMasterIdLst>
+  <p:notesMasterIdLst>
+    <p:notesMasterId r:id="rId10"/>
+  </p:notesMasterIdLst>
   <p:sldIdLst>
     <p:sldId id="256" r:id="rId2"/>
     <p:sldId id="257" r:id="rId3"/>
@@ -175,6 +178,439 @@
 </pc:chgInfo>
 </file>
 
+<file path=ppt/notesMasters/notesMaster1.xml><?xml version="1.0" encoding="utf-8"?>
+<p:notesMaster xmlns:a="http://schemas.openxmlformats.org/drawingml/2006/main" xmlns:r="http://schemas.openxmlformats.org/officeDocument/2006/relationships" xmlns:p="http://schemas.openxmlformats.org/presentationml/2006/main">
+  <p:cSld>
+    <p:bg>
+      <p:bgRef idx="1001">
+        <a:schemeClr val="bg1"/>
+      </p:bgRef>
+    </p:bg>
+    <p:spTree>
+      <p:nvGrpSpPr>
+        <p:cNvPr id="1" name=""/>
+        <p:cNvGrpSpPr/>
+        <p:nvPr/>
+      </p:nvGrpSpPr>
+      <p:grpSpPr>
+        <a:xfrm>
+          <a:off x="0" y="0"/>
+          <a:ext cx="0" cy="0"/>
+          <a:chOff x="0" y="0"/>
+          <a:chExt cx="0" cy="0"/>
+        </a:xfrm>
+      </p:grpSpPr>
+      <p:sp>
+        <p:nvSpPr>
+          <p:cNvPr id="2" name="页眉占位符 1"/>
+          <p:cNvSpPr>
+            <a:spLocks noGrp="1"/>
+          </p:cNvSpPr>
+          <p:nvPr>
+            <p:ph type="hdr" sz="quarter"/>
+          </p:nvPr>
+        </p:nvSpPr>
+        <p:spPr>
+          <a:xfrm>
+            <a:off x="0" y="0"/>
+            <a:ext cx="2971800" cy="458788"/>
+          </a:xfrm>
+          <a:prstGeom prst="rect">
+            <a:avLst/>
+          </a:prstGeom>
+        </p:spPr>
+        <p:txBody>
+          <a:bodyPr vert="horz" lIns="91440" tIns="45720" rIns="91440" bIns="45720" rtlCol="0"/>
+          <a:lstStyle>
+            <a:lvl1pPr algn="l">
+              <a:defRPr sz="1200"/>
+            </a:lvl1pPr>
+          </a:lstStyle>
+          <a:p>
+            <a:endParaRPr lang="zh-CN" altLang="en-US"/>
+          </a:p>
+        </p:txBody>
+      </p:sp>
+      <p:sp>
+        <p:nvSpPr>
+          <p:cNvPr id="3" name="日期占位符 2"/>
+          <p:cNvSpPr>
+            <a:spLocks noGrp="1"/>
+          </p:cNvSpPr>
+          <p:nvPr>
+            <p:ph type="dt" idx="1"/>
+          </p:nvPr>
+        </p:nvSpPr>
+        <p:spPr>
+          <a:xfrm>
+            <a:off x="3884613" y="0"/>
+            <a:ext cx="2971800" cy="458788"/>
+          </a:xfrm>
+          <a:prstGeom prst="rect">
+            <a:avLst/>
+          </a:prstGeom>
+        </p:spPr>
+        <p:txBody>
+          <a:bodyPr vert="horz" lIns="91440" tIns="45720" rIns="91440" bIns="45720" rtlCol="0"/>
+          <a:lstStyle>
+            <a:lvl1pPr algn="r">
+              <a:defRPr sz="1200"/>
+            </a:lvl1pPr>
+          </a:lstStyle>
+          <a:p>
+            <a:fld id="{6CC42F79-D07A-4915-9706-31019AB856E0}" type="datetimeFigureOut">
+              <a:rPr lang="zh-CN" altLang="en-US" smtClean="0"/>
+              <a:t>2020/8/11</a:t>
+            </a:fld>
+            <a:endParaRPr lang="zh-CN" altLang="en-US"/>
+          </a:p>
+        </p:txBody>
+      </p:sp>
+      <p:sp>
+        <p:nvSpPr>
+          <p:cNvPr id="4" name="幻灯片图像占位符 3"/>
+          <p:cNvSpPr>
+            <a:spLocks noGrp="1" noRot="1" noChangeAspect="1"/>
+          </p:cNvSpPr>
+          <p:nvPr>
+            <p:ph type="sldImg" idx="2"/>
+          </p:nvPr>
+        </p:nvSpPr>
+        <p:spPr>
+          <a:xfrm>
+            <a:off x="685800" y="1143000"/>
+            <a:ext cx="5486400" cy="3086100"/>
+          </a:xfrm>
+          <a:prstGeom prst="rect">
+            <a:avLst/>
+          </a:prstGeom>
+          <a:noFill/>
+          <a:ln w="12700">
+            <a:solidFill>
+              <a:prstClr val="black"/>
+            </a:solidFill>
+          </a:ln>
+        </p:spPr>
+        <p:txBody>
+          <a:bodyPr vert="horz" lIns="91440" tIns="45720" rIns="91440" bIns="45720" rtlCol="0" anchor="ctr"/>
+          <a:lstStyle/>
+          <a:p>
+            <a:endParaRPr lang="zh-CN" altLang="en-US"/>
+          </a:p>
+        </p:txBody>
+      </p:sp>
+      <p:sp>
+        <p:nvSpPr>
+          <p:cNvPr id="5" name="备注占位符 4"/>
+          <p:cNvSpPr>
+            <a:spLocks noGrp="1"/>
+          </p:cNvSpPr>
+          <p:nvPr>
+            <p:ph type="body" sz="quarter" idx="3"/>
+          </p:nvPr>
+        </p:nvSpPr>
+        <p:spPr>
+          <a:xfrm>
+            <a:off x="685800" y="4400550"/>
+            <a:ext cx="5486400" cy="3600450"/>
+          </a:xfrm>
+          <a:prstGeom prst="rect">
+            <a:avLst/>
+          </a:prstGeom>
+        </p:spPr>
+        <p:txBody>
+          <a:bodyPr vert="horz" lIns="91440" tIns="45720" rIns="91440" bIns="45720" rtlCol="0"/>
+          <a:lstStyle/>
+          <a:p>
+            <a:pPr lvl="0"/>
+            <a:r>
+              <a:rPr lang="zh-CN" altLang="en-US"/>
+              <a:t>单击此处编辑母版文本样式</a:t>
+            </a:r>
+          </a:p>
+          <a:p>
+            <a:pPr lvl="1"/>
+            <a:r>
+              <a:rPr lang="zh-CN" altLang="en-US"/>
+              <a:t>二级</a:t>
+            </a:r>
+          </a:p>
+          <a:p>
+            <a:pPr lvl="2"/>
+            <a:r>
+              <a:rPr lang="zh-CN" altLang="en-US"/>
+              <a:t>三级</a:t>
+            </a:r>
+          </a:p>
+          <a:p>
+            <a:pPr lvl="3"/>
+            <a:r>
+              <a:rPr lang="zh-CN" altLang="en-US"/>
+              <a:t>四级</a:t>
+            </a:r>
+          </a:p>
+          <a:p>
+            <a:pPr lvl="4"/>
+            <a:r>
+              <a:rPr lang="zh-CN" altLang="en-US"/>
+              <a:t>五级</a:t>
+            </a:r>
+          </a:p>
+        </p:txBody>
+      </p:sp>
+      <p:sp>
+        <p:nvSpPr>
+          <p:cNvPr id="6" name="页脚占位符 5"/>
+          <p:cNvSpPr>
+            <a:spLocks noGrp="1"/>
+          </p:cNvSpPr>
+          <p:nvPr>
+            <p:ph type="ftr" sz="quarter" idx="4"/>
+          </p:nvPr>
+        </p:nvSpPr>
+        <p:spPr>
+          <a:xfrm>
+            <a:off x="0" y="8685213"/>
+            <a:ext cx="2971800" cy="458787"/>
+          </a:xfrm>
+          <a:prstGeom prst="rect">
+            <a:avLst/>
+          </a:prstGeom>
+        </p:spPr>
+        <p:txBody>
+          <a:bodyPr vert="horz" lIns="91440" tIns="45720" rIns="91440" bIns="45720" rtlCol="0" anchor="b"/>
+          <a:lstStyle>
+            <a:lvl1pPr algn="l">
+              <a:defRPr sz="1200"/>
+            </a:lvl1pPr>
+          </a:lstStyle>
+          <a:p>
+            <a:endParaRPr lang="zh-CN" altLang="en-US"/>
+          </a:p>
+        </p:txBody>
+      </p:sp>
+      <p:sp>
+        <p:nvSpPr>
+          <p:cNvPr id="7" name="灯片编号占位符 6"/>
+          <p:cNvSpPr>
+            <a:spLocks noGrp="1"/>
+          </p:cNvSpPr>
+          <p:nvPr>
+            <p:ph type="sldNum" sz="quarter" idx="5"/>
+          </p:nvPr>
+        </p:nvSpPr>
+        <p:spPr>
+          <a:xfrm>
+            <a:off x="3884613" y="8685213"/>
+            <a:ext cx="2971800" cy="458787"/>
+          </a:xfrm>
+          <a:prstGeom prst="rect">
+            <a:avLst/>
+          </a:prstGeom>
+        </p:spPr>
+        <p:txBody>
+          <a:bodyPr vert="horz" lIns="91440" tIns="45720" rIns="91440" bIns="45720" rtlCol="0" anchor="b"/>
+          <a:lstStyle>
+            <a:lvl1pPr algn="r">
+              <a:defRPr sz="1200"/>
+            </a:lvl1pPr>
+          </a:lstStyle>
+          <a:p>
+            <a:fld id="{DAE5AE3C-E810-4064-95FE-6B1C61CCE516}" type="slidenum">
+              <a:rPr lang="zh-CN" altLang="en-US" smtClean="0"/>
+              <a:t>‹#›</a:t>
+            </a:fld>
+            <a:endParaRPr lang="zh-CN" altLang="en-US"/>
+          </a:p>
+        </p:txBody>
+      </p:sp>
+    </p:spTree>
+    <p:extLst>
+      <p:ext uri="{BB962C8B-B14F-4D97-AF65-F5344CB8AC3E}">
+        <p14:creationId xmlns:p14="http://schemas.microsoft.com/office/powerpoint/2010/main" val="1239963919"/>
+      </p:ext>
+    </p:extLst>
+  </p:cSld>
+  <p:clrMap bg1="lt1" tx1="dk1" bg2="lt2" tx2="dk2" accent1="accent1" accent2="accent2" accent3="accent3" accent4="accent4" accent5="accent5" accent6="accent6" hlink="hlink" folHlink="folHlink"/>
+  <p:notesStyle>
+    <a:lvl1pPr marL="0" algn="l" defTabSz="914400" rtl="0" eaLnBrk="1" latinLnBrk="0" hangingPunct="1">
+      <a:defRPr sz="1200" kern="1200">
+        <a:solidFill>
+          <a:schemeClr val="tx1"/>
+        </a:solidFill>
+        <a:latin typeface="+mn-lt"/>
+        <a:ea typeface="+mn-ea"/>
+        <a:cs typeface="+mn-cs"/>
+      </a:defRPr>
+    </a:lvl1pPr>
+    <a:lvl2pPr marL="457200" algn="l" defTabSz="914400" rtl="0" eaLnBrk="1" latinLnBrk="0" hangingPunct="1">
+      <a:defRPr sz="1200" kern="1200">
+        <a:solidFill>
+          <a:schemeClr val="tx1"/>
+        </a:solidFill>
+        <a:latin typeface="+mn-lt"/>
+        <a:ea typeface="+mn-ea"/>
+        <a:cs typeface="+mn-cs"/>
+      </a:defRPr>
+    </a:lvl2pPr>
+    <a:lvl3pPr marL="914400" algn="l" defTabSz="914400" rtl="0" eaLnBrk="1" latinLnBrk="0" hangingPunct="1">
+      <a:defRPr sz="1200" kern="1200">
+        <a:solidFill>
+          <a:schemeClr val="tx1"/>
+        </a:solidFill>
+        <a:latin typeface="+mn-lt"/>
+        <a:ea typeface="+mn-ea"/>
+        <a:cs typeface="+mn-cs"/>
+      </a:defRPr>
+    </a:lvl3pPr>
+    <a:lvl4pPr marL="1371600" algn="l" defTabSz="914400" rtl="0" eaLnBrk="1" latinLnBrk="0" hangingPunct="1">
+      <a:defRPr sz="1200" kern="1200">
+        <a:solidFill>
+          <a:schemeClr val="tx1"/>
+        </a:solidFill>
+        <a:latin typeface="+mn-lt"/>
+        <a:ea typeface="+mn-ea"/>
+        <a:cs typeface="+mn-cs"/>
+      </a:defRPr>
+    </a:lvl4pPr>
+    <a:lvl5pPr marL="1828800" algn="l" defTabSz="914400" rtl="0" eaLnBrk="1" latinLnBrk="0" hangingPunct="1">
+      <a:defRPr sz="1200" kern="1200">
+        <a:solidFill>
+          <a:schemeClr val="tx1"/>
+        </a:solidFill>
+        <a:latin typeface="+mn-lt"/>
+        <a:ea typeface="+mn-ea"/>
+        <a:cs typeface="+mn-cs"/>
+      </a:defRPr>
+    </a:lvl5pPr>
+    <a:lvl6pPr marL="2286000" algn="l" defTabSz="914400" rtl="0" eaLnBrk="1" latinLnBrk="0" hangingPunct="1">
+      <a:defRPr sz="1200" kern="1200">
+        <a:solidFill>
+          <a:schemeClr val="tx1"/>
+        </a:solidFill>
+        <a:latin typeface="+mn-lt"/>
+        <a:ea typeface="+mn-ea"/>
+        <a:cs typeface="+mn-cs"/>
+      </a:defRPr>
+    </a:lvl6pPr>
+    <a:lvl7pPr marL="2743200" algn="l" defTabSz="914400" rtl="0" eaLnBrk="1" latinLnBrk="0" hangingPunct="1">
+      <a:defRPr sz="1200" kern="1200">
+        <a:solidFill>
+          <a:schemeClr val="tx1"/>
+        </a:solidFill>
+        <a:latin typeface="+mn-lt"/>
+        <a:ea typeface="+mn-ea"/>
+        <a:cs typeface="+mn-cs"/>
+      </a:defRPr>
+    </a:lvl7pPr>
+    <a:lvl8pPr marL="3200400" algn="l" defTabSz="914400" rtl="0" eaLnBrk="1" latinLnBrk="0" hangingPunct="1">
+      <a:defRPr sz="1200" kern="1200">
+        <a:solidFill>
+          <a:schemeClr val="tx1"/>
+        </a:solidFill>
+        <a:latin typeface="+mn-lt"/>
+        <a:ea typeface="+mn-ea"/>
+        <a:cs typeface="+mn-cs"/>
+      </a:defRPr>
+    </a:lvl8pPr>
+    <a:lvl9pPr marL="3657600" algn="l" defTabSz="914400" rtl="0" eaLnBrk="1" latinLnBrk="0" hangingPunct="1">
+      <a:defRPr sz="1200" kern="1200">
+        <a:solidFill>
+          <a:schemeClr val="tx1"/>
+        </a:solidFill>
+        <a:latin typeface="+mn-lt"/>
+        <a:ea typeface="+mn-ea"/>
+        <a:cs typeface="+mn-cs"/>
+      </a:defRPr>
+    </a:lvl9pPr>
+  </p:notesStyle>
+</p:notesMaster>
+</file>
+
+<file path=ppt/notesSlides/notesSlide1.xml><?xml version="1.0" encoding="utf-8"?>
+<p:notes xmlns:a="http://schemas.openxmlformats.org/drawingml/2006/main" xmlns:r="http://schemas.openxmlformats.org/officeDocument/2006/relationships" xmlns:p="http://schemas.openxmlformats.org/presentationml/2006/main">
+  <p:cSld>
+    <p:spTree>
+      <p:nvGrpSpPr>
+        <p:cNvPr id="1" name=""/>
+        <p:cNvGrpSpPr/>
+        <p:nvPr/>
+      </p:nvGrpSpPr>
+      <p:grpSpPr>
+        <a:xfrm>
+          <a:off x="0" y="0"/>
+          <a:ext cx="0" cy="0"/>
+          <a:chOff x="0" y="0"/>
+          <a:chExt cx="0" cy="0"/>
+        </a:xfrm>
+      </p:grpSpPr>
+      <p:sp>
+        <p:nvSpPr>
+          <p:cNvPr id="2" name="幻灯片图像占位符 1"/>
+          <p:cNvSpPr>
+            <a:spLocks noGrp="1" noRot="1" noChangeAspect="1"/>
+          </p:cNvSpPr>
+          <p:nvPr>
+            <p:ph type="sldImg"/>
+          </p:nvPr>
+        </p:nvSpPr>
+        <p:spPr/>
+      </p:sp>
+      <p:sp>
+        <p:nvSpPr>
+          <p:cNvPr id="3" name="备注占位符 2"/>
+          <p:cNvSpPr>
+            <a:spLocks noGrp="1"/>
+          </p:cNvSpPr>
+          <p:nvPr>
+            <p:ph type="body" idx="1"/>
+          </p:nvPr>
+        </p:nvSpPr>
+        <p:spPr/>
+        <p:txBody>
+          <a:bodyPr/>
+          <a:lstStyle/>
+          <a:p>
+            <a:endParaRPr lang="zh-CN" altLang="en-US" dirty="0"/>
+          </a:p>
+        </p:txBody>
+      </p:sp>
+      <p:sp>
+        <p:nvSpPr>
+          <p:cNvPr id="4" name="灯片编号占位符 3"/>
+          <p:cNvSpPr>
+            <a:spLocks noGrp="1"/>
+          </p:cNvSpPr>
+          <p:nvPr>
+            <p:ph type="sldNum" sz="quarter" idx="5"/>
+          </p:nvPr>
+        </p:nvSpPr>
+        <p:spPr/>
+        <p:txBody>
+          <a:bodyPr/>
+          <a:lstStyle/>
+          <a:p>
+            <a:fld id="{DAE5AE3C-E810-4064-95FE-6B1C61CCE516}" type="slidenum">
+              <a:rPr lang="zh-CN" altLang="en-US" smtClean="0"/>
+              <a:t>4</a:t>
+            </a:fld>
+            <a:endParaRPr lang="zh-CN" altLang="en-US"/>
+          </a:p>
+        </p:txBody>
+      </p:sp>
+    </p:spTree>
+    <p:extLst>
+      <p:ext uri="{BB962C8B-B14F-4D97-AF65-F5344CB8AC3E}">
+        <p14:creationId xmlns:p14="http://schemas.microsoft.com/office/powerpoint/2010/main" val="596044492"/>
+      </p:ext>
+    </p:extLst>
+  </p:cSld>
+  <p:clrMapOvr>
+    <a:masterClrMapping/>
+  </p:clrMapOvr>
+</p:notes>
+</file>
+
 <file path=ppt/slideLayouts/slideLayout1.xml><?xml version="1.0" encoding="utf-8"?>
 <p:sldLayout xmlns:a="http://schemas.openxmlformats.org/drawingml/2006/main" xmlns:r="http://schemas.openxmlformats.org/officeDocument/2006/relationships" xmlns:p="http://schemas.openxmlformats.org/presentationml/2006/main" type="title" preserve="1">
   <p:cSld name="标题幻灯片">
@@ -322,7 +758,7 @@
           <a:p>
             <a:fld id="{FD517E97-6BF8-4C66-803D-2664C3B15861}" type="datetimeFigureOut">
               <a:rPr lang="zh-CN" altLang="en-US" smtClean="0"/>
-              <a:t>2020/5/13</a:t>
+              <a:t>2020/8/11</a:t>
             </a:fld>
             <a:endParaRPr lang="zh-CN" altLang="en-US"/>
           </a:p>
@@ -520,7 +956,7 @@
           <a:p>
             <a:fld id="{FD517E97-6BF8-4C66-803D-2664C3B15861}" type="datetimeFigureOut">
               <a:rPr lang="zh-CN" altLang="en-US" smtClean="0"/>
-              <a:t>2020/5/13</a:t>
+              <a:t>2020/8/11</a:t>
             </a:fld>
             <a:endParaRPr lang="zh-CN" altLang="en-US"/>
           </a:p>
@@ -728,7 +1164,7 @@
           <a:p>
             <a:fld id="{FD517E97-6BF8-4C66-803D-2664C3B15861}" type="datetimeFigureOut">
               <a:rPr lang="zh-CN" altLang="en-US" smtClean="0"/>
-              <a:t>2020/5/13</a:t>
+              <a:t>2020/8/11</a:t>
             </a:fld>
             <a:endParaRPr lang="zh-CN" altLang="en-US"/>
           </a:p>
@@ -926,7 +1362,7 @@
           <a:p>
             <a:fld id="{FD517E97-6BF8-4C66-803D-2664C3B15861}" type="datetimeFigureOut">
               <a:rPr lang="zh-CN" altLang="en-US" smtClean="0"/>
-              <a:t>2020/5/13</a:t>
+              <a:t>2020/8/11</a:t>
             </a:fld>
             <a:endParaRPr lang="zh-CN" altLang="en-US"/>
           </a:p>
@@ -1201,7 +1637,7 @@
           <a:p>
             <a:fld id="{FD517E97-6BF8-4C66-803D-2664C3B15861}" type="datetimeFigureOut">
               <a:rPr lang="zh-CN" altLang="en-US" smtClean="0"/>
-              <a:t>2020/5/13</a:t>
+              <a:t>2020/8/11</a:t>
             </a:fld>
             <a:endParaRPr lang="zh-CN" altLang="en-US"/>
           </a:p>
@@ -1466,7 +1902,7 @@
           <a:p>
             <a:fld id="{FD517E97-6BF8-4C66-803D-2664C3B15861}" type="datetimeFigureOut">
               <a:rPr lang="zh-CN" altLang="en-US" smtClean="0"/>
-              <a:t>2020/5/13</a:t>
+              <a:t>2020/8/11</a:t>
             </a:fld>
             <a:endParaRPr lang="zh-CN" altLang="en-US"/>
           </a:p>
@@ -1878,7 +2314,7 @@
           <a:p>
             <a:fld id="{FD517E97-6BF8-4C66-803D-2664C3B15861}" type="datetimeFigureOut">
               <a:rPr lang="zh-CN" altLang="en-US" smtClean="0"/>
-              <a:t>2020/5/13</a:t>
+              <a:t>2020/8/11</a:t>
             </a:fld>
             <a:endParaRPr lang="zh-CN" altLang="en-US"/>
           </a:p>
@@ -2019,7 +2455,7 @@
           <a:p>
             <a:fld id="{FD517E97-6BF8-4C66-803D-2664C3B15861}" type="datetimeFigureOut">
               <a:rPr lang="zh-CN" altLang="en-US" smtClean="0"/>
-              <a:t>2020/5/13</a:t>
+              <a:t>2020/8/11</a:t>
             </a:fld>
             <a:endParaRPr lang="zh-CN" altLang="en-US"/>
           </a:p>
@@ -2132,7 +2568,7 @@
           <a:p>
             <a:fld id="{FD517E97-6BF8-4C66-803D-2664C3B15861}" type="datetimeFigureOut">
               <a:rPr lang="zh-CN" altLang="en-US" smtClean="0"/>
-              <a:t>2020/5/13</a:t>
+              <a:t>2020/8/11</a:t>
             </a:fld>
             <a:endParaRPr lang="zh-CN" altLang="en-US"/>
           </a:p>
@@ -2443,7 +2879,7 @@
           <a:p>
             <a:fld id="{FD517E97-6BF8-4C66-803D-2664C3B15861}" type="datetimeFigureOut">
               <a:rPr lang="zh-CN" altLang="en-US" smtClean="0"/>
-              <a:t>2020/5/13</a:t>
+              <a:t>2020/8/11</a:t>
             </a:fld>
             <a:endParaRPr lang="zh-CN" altLang="en-US"/>
           </a:p>
@@ -2731,7 +3167,7 @@
           <a:p>
             <a:fld id="{FD517E97-6BF8-4C66-803D-2664C3B15861}" type="datetimeFigureOut">
               <a:rPr lang="zh-CN" altLang="en-US" smtClean="0"/>
-              <a:t>2020/5/13</a:t>
+              <a:t>2020/8/11</a:t>
             </a:fld>
             <a:endParaRPr lang="zh-CN" altLang="en-US"/>
           </a:p>
@@ -2972,7 +3408,7 @@
           <a:p>
             <a:fld id="{FD517E97-6BF8-4C66-803D-2664C3B15861}" type="datetimeFigureOut">
               <a:rPr lang="zh-CN" altLang="en-US" smtClean="0"/>
-              <a:t>2020/5/13</a:t>
+              <a:t>2020/8/11</a:t>
             </a:fld>
             <a:endParaRPr lang="zh-CN" altLang="en-US"/>
           </a:p>
@@ -3454,6 +3890,88 @@
       </p:grpSpPr>
       <p:sp>
         <p:nvSpPr>
+          <p:cNvPr id="37" name="文本框 36">
+            <a:extLst>
+              <a:ext uri="{FF2B5EF4-FFF2-40B4-BE49-F238E27FC236}">
+                <a16:creationId xmlns:a16="http://schemas.microsoft.com/office/drawing/2014/main" id="{7AFA455C-33A4-471E-9994-97F4F445400A}"/>
+              </a:ext>
+            </a:extLst>
+          </p:cNvPr>
+          <p:cNvSpPr txBox="1"/>
+          <p:nvPr/>
+        </p:nvSpPr>
+        <p:spPr>
+          <a:xfrm>
+            <a:off x="4726833" y="3822278"/>
+            <a:ext cx="2147382" cy="461665"/>
+          </a:xfrm>
+          <a:prstGeom prst="rect">
+            <a:avLst/>
+          </a:prstGeom>
+          <a:noFill/>
+        </p:spPr>
+        <p:txBody>
+          <a:bodyPr wrap="square" rtlCol="0">
+            <a:spAutoFit/>
+          </a:bodyPr>
+          <a:lstStyle/>
+          <a:p>
+            <a:r>
+              <a:rPr lang="en-US" altLang="zh-CN" sz="1200" dirty="0"/>
+              <a:t>1</a:t>
+            </a:r>
+            <a:r>
+              <a:rPr lang="zh-CN" altLang="en-US" sz="1200" dirty="0"/>
+              <a:t>、超时：</a:t>
+            </a:r>
+            <a:r>
+              <a:rPr lang="en-US" altLang="zh-CN" sz="1200" dirty="0" err="1"/>
+              <a:t>encSij</a:t>
+            </a:r>
+            <a:r>
+              <a:rPr lang="en-US" altLang="zh-CN" sz="1200" dirty="0"/>
+              <a:t>/</a:t>
+            </a:r>
+            <a:r>
+              <a:rPr lang="zh-CN" altLang="en-US" sz="1200" dirty="0"/>
+              <a:t>评价</a:t>
+            </a:r>
+            <a:r>
+              <a:rPr lang="en-US" altLang="zh-CN" sz="1200" dirty="0"/>
+              <a:t>/</a:t>
+            </a:r>
+            <a:r>
+              <a:rPr lang="en-US" altLang="zh-CN" sz="1200" dirty="0" err="1"/>
+              <a:t>Sij</a:t>
+            </a:r>
+            <a:r>
+              <a:rPr lang="zh-CN" altLang="en-US" sz="1200" dirty="0"/>
+              <a:t>超时</a:t>
+            </a:r>
+            <a:endParaRPr lang="en-US" altLang="zh-CN" sz="1200" dirty="0"/>
+          </a:p>
+          <a:p>
+            <a:r>
+              <a:rPr lang="en-US" altLang="zh-CN" sz="1200" dirty="0"/>
+              <a:t>2</a:t>
+            </a:r>
+            <a:r>
+              <a:rPr lang="zh-CN" altLang="en-US" sz="1200" dirty="0"/>
+              <a:t>、挑战：</a:t>
+            </a:r>
+            <a:r>
+              <a:rPr lang="en-US" altLang="zh-CN" sz="1200" dirty="0" err="1"/>
+              <a:t>encSij</a:t>
+            </a:r>
+            <a:r>
+              <a:rPr lang="zh-CN" altLang="en-US" sz="1200" dirty="0"/>
+              <a:t>或评价错误</a:t>
+            </a:r>
+          </a:p>
+        </p:txBody>
+      </p:sp>
+      <p:sp>
+        <p:nvSpPr>
           <p:cNvPr id="2" name="标题 1">
             <a:extLst>
               <a:ext uri="{FF2B5EF4-FFF2-40B4-BE49-F238E27FC236}">
@@ -3477,56 +3995,6 @@
               <a:rPr lang="zh-CN" altLang="en-US" dirty="0"/>
               <a:t>状态机</a:t>
             </a:r>
-          </a:p>
-        </p:txBody>
-      </p:sp>
-      <p:sp>
-        <p:nvSpPr>
-          <p:cNvPr id="6" name="矩形: 圆角 5">
-            <a:extLst>
-              <a:ext uri="{FF2B5EF4-FFF2-40B4-BE49-F238E27FC236}">
-                <a16:creationId xmlns:a16="http://schemas.microsoft.com/office/drawing/2014/main" id="{6365EB4B-54F9-4972-A6DC-3B24113B0A66}"/>
-              </a:ext>
-            </a:extLst>
-          </p:cNvPr>
-          <p:cNvSpPr/>
-          <p:nvPr/>
-        </p:nvSpPr>
-        <p:spPr>
-          <a:xfrm>
-            <a:off x="1135380" y="2750820"/>
-            <a:ext cx="1242060" cy="441960"/>
-          </a:xfrm>
-          <a:prstGeom prst="roundRect">
-            <a:avLst/>
-          </a:prstGeom>
-        </p:spPr>
-        <p:style>
-          <a:lnRef idx="2">
-            <a:schemeClr val="accent1">
-              <a:shade val="50000"/>
-            </a:schemeClr>
-          </a:lnRef>
-          <a:fillRef idx="1">
-            <a:schemeClr val="accent1"/>
-          </a:fillRef>
-          <a:effectRef idx="0">
-            <a:schemeClr val="accent1"/>
-          </a:effectRef>
-          <a:fontRef idx="minor">
-            <a:schemeClr val="lt1"/>
-          </a:fontRef>
-        </p:style>
-        <p:txBody>
-          <a:bodyPr rtlCol="0" anchor="ctr"/>
-          <a:lstStyle/>
-          <a:p>
-            <a:pPr algn="ctr"/>
-            <a:r>
-              <a:rPr lang="en-US" altLang="zh-CN" dirty="0"/>
-              <a:t>Init</a:t>
-            </a:r>
-            <a:endParaRPr lang="zh-CN" altLang="en-US" dirty="0"/>
           </a:p>
         </p:txBody>
       </p:sp>
@@ -3581,10 +4049,10 @@
       </p:sp>
       <p:sp>
         <p:nvSpPr>
-          <p:cNvPr id="8" name="矩形: 圆角 7">
-            <a:extLst>
-              <a:ext uri="{FF2B5EF4-FFF2-40B4-BE49-F238E27FC236}">
-                <a16:creationId xmlns:a16="http://schemas.microsoft.com/office/drawing/2014/main" id="{966A538E-8ECB-4E63-BA4B-93C440344648}"/>
+          <p:cNvPr id="9" name="矩形: 圆角 8">
+            <a:extLst>
+              <a:ext uri="{FF2B5EF4-FFF2-40B4-BE49-F238E27FC236}">
+                <a16:creationId xmlns:a16="http://schemas.microsoft.com/office/drawing/2014/main" id="{0E37119B-C501-4CE6-B699-5C193D3029DD}"/>
               </a:ext>
             </a:extLst>
           </p:cNvPr>
@@ -3593,7 +4061,7 @@
         </p:nvSpPr>
         <p:spPr>
           <a:xfrm>
-            <a:off x="5436870" y="2743200"/>
+            <a:off x="5445223" y="2758440"/>
             <a:ext cx="1242060" cy="441960"/>
           </a:xfrm>
           <a:prstGeom prst="roundRect">
@@ -3622,8 +4090,8 @@
           <a:p>
             <a:pPr algn="ctr"/>
             <a:r>
-              <a:rPr lang="en-US" altLang="zh-CN" dirty="0" err="1"/>
-              <a:t>Gpk</a:t>
+              <a:rPr lang="en-US" altLang="zh-CN" dirty="0"/>
+              <a:t>Negotiate</a:t>
             </a:r>
             <a:endParaRPr lang="en-US" altLang="zh-CN" sz="1400" dirty="0"/>
           </a:p>
@@ -3631,10 +4099,10 @@
       </p:sp>
       <p:sp>
         <p:nvSpPr>
-          <p:cNvPr id="9" name="矩形: 圆角 8">
-            <a:extLst>
-              <a:ext uri="{FF2B5EF4-FFF2-40B4-BE49-F238E27FC236}">
-                <a16:creationId xmlns:a16="http://schemas.microsoft.com/office/drawing/2014/main" id="{0E37119B-C501-4CE6-B699-5C193D3029DD}"/>
+          <p:cNvPr id="10" name="矩形: 圆角 9">
+            <a:extLst>
+              <a:ext uri="{FF2B5EF4-FFF2-40B4-BE49-F238E27FC236}">
+                <a16:creationId xmlns:a16="http://schemas.microsoft.com/office/drawing/2014/main" id="{AB8DDCEB-0AF3-401A-92CC-29CB800DC8D8}"/>
               </a:ext>
             </a:extLst>
           </p:cNvPr>
@@ -3643,7 +4111,7 @@
         </p:nvSpPr>
         <p:spPr>
           <a:xfrm>
-            <a:off x="7604760" y="2758440"/>
+            <a:off x="7613113" y="2750820"/>
             <a:ext cx="1242060" cy="441960"/>
           </a:xfrm>
           <a:prstGeom prst="roundRect">
@@ -3673,56 +4141,6 @@
             <a:pPr algn="ctr"/>
             <a:r>
               <a:rPr lang="en-US" altLang="zh-CN" dirty="0"/>
-              <a:t>Negotiate</a:t>
-            </a:r>
-            <a:endParaRPr lang="en-US" altLang="zh-CN" sz="1400" dirty="0"/>
-          </a:p>
-        </p:txBody>
-      </p:sp>
-      <p:sp>
-        <p:nvSpPr>
-          <p:cNvPr id="10" name="矩形: 圆角 9">
-            <a:extLst>
-              <a:ext uri="{FF2B5EF4-FFF2-40B4-BE49-F238E27FC236}">
-                <a16:creationId xmlns:a16="http://schemas.microsoft.com/office/drawing/2014/main" id="{AB8DDCEB-0AF3-401A-92CC-29CB800DC8D8}"/>
-              </a:ext>
-            </a:extLst>
-          </p:cNvPr>
-          <p:cNvSpPr/>
-          <p:nvPr/>
-        </p:nvSpPr>
-        <p:spPr>
-          <a:xfrm>
-            <a:off x="9772650" y="2750820"/>
-            <a:ext cx="1242060" cy="441960"/>
-          </a:xfrm>
-          <a:prstGeom prst="roundRect">
-            <a:avLst/>
-          </a:prstGeom>
-        </p:spPr>
-        <p:style>
-          <a:lnRef idx="2">
-            <a:schemeClr val="accent1">
-              <a:shade val="50000"/>
-            </a:schemeClr>
-          </a:lnRef>
-          <a:fillRef idx="1">
-            <a:schemeClr val="accent1"/>
-          </a:fillRef>
-          <a:effectRef idx="0">
-            <a:schemeClr val="accent1"/>
-          </a:effectRef>
-          <a:fontRef idx="minor">
-            <a:schemeClr val="lt1"/>
-          </a:fontRef>
-        </p:style>
-        <p:txBody>
-          <a:bodyPr rtlCol="0" anchor="ctr"/>
-          <a:lstStyle/>
-          <a:p>
-            <a:pPr algn="ctr"/>
-            <a:r>
-              <a:rPr lang="en-US" altLang="zh-CN" dirty="0"/>
               <a:t>Complete</a:t>
             </a:r>
             <a:endParaRPr lang="en-US" altLang="zh-CN" sz="1400" dirty="0"/>
@@ -3788,96 +4206,16 @@
       </p:sp>
       <p:cxnSp>
         <p:nvCxnSpPr>
-          <p:cNvPr id="13" name="连接符: 曲线 12">
-            <a:extLst>
-              <a:ext uri="{FF2B5EF4-FFF2-40B4-BE49-F238E27FC236}">
-                <a16:creationId xmlns:a16="http://schemas.microsoft.com/office/drawing/2014/main" id="{11C8898B-604F-4FAE-870E-1044DDE2049D}"/>
+          <p:cNvPr id="16" name="连接符: 曲线 15">
+            <a:extLst>
+              <a:ext uri="{FF2B5EF4-FFF2-40B4-BE49-F238E27FC236}">
+                <a16:creationId xmlns:a16="http://schemas.microsoft.com/office/drawing/2014/main" id="{69CA5194-607D-422F-8944-18F7919BFD10}"/>
               </a:ext>
             </a:extLst>
           </p:cNvPr>
           <p:cNvCxnSpPr>
-            <a:stCxn id="6" idx="3"/>
-            <a:endCxn id="7" idx="0"/>
-          </p:cNvCxnSpPr>
-          <p:nvPr/>
-        </p:nvCxnSpPr>
-        <p:spPr>
-          <a:xfrm flipV="1">
-            <a:off x="2377440" y="2758440"/>
-            <a:ext cx="1529715" cy="213360"/>
-          </a:xfrm>
-          <a:prstGeom prst="curvedConnector4">
-            <a:avLst>
-              <a:gd name="adj1" fmla="val 29701"/>
-              <a:gd name="adj2" fmla="val 210714"/>
-            </a:avLst>
-          </a:prstGeom>
-          <a:ln>
-            <a:tailEnd type="triangle"/>
-          </a:ln>
-        </p:spPr>
-        <p:style>
-          <a:lnRef idx="1">
-            <a:schemeClr val="accent1"/>
-          </a:lnRef>
-          <a:fillRef idx="0">
-            <a:schemeClr val="accent1"/>
-          </a:fillRef>
-          <a:effectRef idx="0">
-            <a:schemeClr val="accent1"/>
-          </a:effectRef>
-          <a:fontRef idx="minor">
-            <a:schemeClr val="tx1"/>
-          </a:fontRef>
-        </p:style>
-      </p:cxnSp>
-      <p:sp>
-        <p:nvSpPr>
-          <p:cNvPr id="14" name="文本框 13">
-            <a:extLst>
-              <a:ext uri="{FF2B5EF4-FFF2-40B4-BE49-F238E27FC236}">
-                <a16:creationId xmlns:a16="http://schemas.microsoft.com/office/drawing/2014/main" id="{22B3FD88-0473-4485-8BBF-E289CD63C33C}"/>
-              </a:ext>
-            </a:extLst>
-          </p:cNvPr>
-          <p:cNvSpPr txBox="1"/>
-          <p:nvPr/>
-        </p:nvSpPr>
-        <p:spPr>
-          <a:xfrm>
-            <a:off x="2446020" y="1973580"/>
-            <a:ext cx="1242060" cy="461665"/>
-          </a:xfrm>
-          <a:prstGeom prst="rect">
-            <a:avLst/>
-          </a:prstGeom>
-          <a:noFill/>
-        </p:spPr>
-        <p:txBody>
-          <a:bodyPr wrap="square" rtlCol="0">
-            <a:spAutoFit/>
-          </a:bodyPr>
-          <a:lstStyle/>
-          <a:p>
-            <a:r>
-              <a:rPr lang="zh-CN" altLang="en-US" sz="1200" dirty="0"/>
-              <a:t>第一个节点提交多项式承诺</a:t>
-            </a:r>
-          </a:p>
-        </p:txBody>
-      </p:sp>
-      <p:cxnSp>
-        <p:nvCxnSpPr>
-          <p:cNvPr id="16" name="连接符: 曲线 15">
-            <a:extLst>
-              <a:ext uri="{FF2B5EF4-FFF2-40B4-BE49-F238E27FC236}">
-                <a16:creationId xmlns:a16="http://schemas.microsoft.com/office/drawing/2014/main" id="{69CA5194-607D-422F-8944-18F7919BFD10}"/>
-              </a:ext>
-            </a:extLst>
-          </p:cNvPr>
-          <p:cNvCxnSpPr>
+            <a:cxnSpLocks/>
             <a:stCxn id="7" idx="3"/>
-            <a:endCxn id="8" idx="0"/>
           </p:cNvCxnSpPr>
           <p:nvPr/>
         </p:nvCxnSpPr>
@@ -4039,18 +4377,19 @@
           <p:cNvCxnSpPr>
             <a:cxnSpLocks/>
             <a:stCxn id="11" idx="2"/>
-            <a:endCxn id="6" idx="2"/>
+            <a:endCxn id="7" idx="1"/>
           </p:cNvCxnSpPr>
           <p:nvPr/>
         </p:nvCxnSpPr>
         <p:spPr>
           <a:xfrm rot="5400000" flipH="1">
-            <a:off x="1900565" y="3048626"/>
-            <a:ext cx="1862436" cy="2150745"/>
+            <a:off x="2558742" y="3706803"/>
+            <a:ext cx="2075796" cy="621030"/>
           </a:xfrm>
-          <a:prstGeom prst="curvedConnector3">
+          <a:prstGeom prst="curvedConnector4">
             <a:avLst>
-              <a:gd name="adj1" fmla="val -12274"/>
+              <a:gd name="adj1" fmla="val -11013"/>
+              <a:gd name="adj2" fmla="val 318510"/>
             </a:avLst>
           </a:prstGeom>
           <a:ln>
@@ -4075,195 +4414,6 @@
       </p:cxnSp>
       <p:cxnSp>
         <p:nvCxnSpPr>
-          <p:cNvPr id="26" name="连接符: 曲线 25">
-            <a:extLst>
-              <a:ext uri="{FF2B5EF4-FFF2-40B4-BE49-F238E27FC236}">
-                <a16:creationId xmlns:a16="http://schemas.microsoft.com/office/drawing/2014/main" id="{5DEEBFB3-BE9D-418A-9809-3DC42B6B7F48}"/>
-              </a:ext>
-            </a:extLst>
-          </p:cNvPr>
-          <p:cNvCxnSpPr>
-            <a:stCxn id="8" idx="3"/>
-            <a:endCxn id="9" idx="0"/>
-          </p:cNvCxnSpPr>
-          <p:nvPr/>
-        </p:nvCxnSpPr>
-        <p:spPr>
-          <a:xfrm flipV="1">
-            <a:off x="6678930" y="2758440"/>
-            <a:ext cx="1546860" cy="205740"/>
-          </a:xfrm>
-          <a:prstGeom prst="curvedConnector4">
-            <a:avLst>
-              <a:gd name="adj1" fmla="val 29926"/>
-              <a:gd name="adj2" fmla="val 218519"/>
-            </a:avLst>
-          </a:prstGeom>
-          <a:ln>
-            <a:tailEnd type="triangle"/>
-          </a:ln>
-        </p:spPr>
-        <p:style>
-          <a:lnRef idx="1">
-            <a:schemeClr val="accent1"/>
-          </a:lnRef>
-          <a:fillRef idx="0">
-            <a:schemeClr val="accent1"/>
-          </a:fillRef>
-          <a:effectRef idx="0">
-            <a:schemeClr val="accent1"/>
-          </a:effectRef>
-          <a:fontRef idx="minor">
-            <a:schemeClr val="tx1"/>
-          </a:fontRef>
-        </p:style>
-      </p:cxnSp>
-      <p:sp>
-        <p:nvSpPr>
-          <p:cNvPr id="27" name="文本框 26">
-            <a:extLst>
-              <a:ext uri="{FF2B5EF4-FFF2-40B4-BE49-F238E27FC236}">
-                <a16:creationId xmlns:a16="http://schemas.microsoft.com/office/drawing/2014/main" id="{60C84BD5-4970-4519-9671-5556B07E74E4}"/>
-              </a:ext>
-            </a:extLst>
-          </p:cNvPr>
-          <p:cNvSpPr txBox="1"/>
-          <p:nvPr/>
-        </p:nvSpPr>
-        <p:spPr>
-          <a:xfrm>
-            <a:off x="6717030" y="1973579"/>
-            <a:ext cx="1310640" cy="461665"/>
-          </a:xfrm>
-          <a:prstGeom prst="rect">
-            <a:avLst/>
-          </a:prstGeom>
-          <a:noFill/>
-        </p:spPr>
-        <p:txBody>
-          <a:bodyPr wrap="square" rtlCol="0">
-            <a:spAutoFit/>
-          </a:bodyPr>
-          <a:lstStyle/>
-          <a:p>
-            <a:r>
-              <a:rPr lang="zh-CN" altLang="en-US" sz="1200" dirty="0"/>
-              <a:t>所有节点都提交了相同的</a:t>
-            </a:r>
-            <a:r>
-              <a:rPr lang="en-US" altLang="zh-CN" sz="1200" dirty="0" err="1"/>
-              <a:t>gpk</a:t>
-            </a:r>
-            <a:endParaRPr lang="zh-CN" altLang="en-US" sz="1200" dirty="0"/>
-          </a:p>
-        </p:txBody>
-      </p:sp>
-      <p:cxnSp>
-        <p:nvCxnSpPr>
-          <p:cNvPr id="29" name="连接符: 曲线 28">
-            <a:extLst>
-              <a:ext uri="{FF2B5EF4-FFF2-40B4-BE49-F238E27FC236}">
-                <a16:creationId xmlns:a16="http://schemas.microsoft.com/office/drawing/2014/main" id="{0543FF0B-6DEA-4C7A-BD0A-38E194A22825}"/>
-              </a:ext>
-            </a:extLst>
-          </p:cNvPr>
-          <p:cNvCxnSpPr>
-            <a:stCxn id="8" idx="3"/>
-            <a:endCxn id="11" idx="0"/>
-          </p:cNvCxnSpPr>
-          <p:nvPr/>
-        </p:nvCxnSpPr>
-        <p:spPr>
-          <a:xfrm flipH="1">
-            <a:off x="3907155" y="2964180"/>
-            <a:ext cx="2771775" cy="1649076"/>
-          </a:xfrm>
-          <a:prstGeom prst="curvedConnector4">
-            <a:avLst>
-              <a:gd name="adj1" fmla="val -8247"/>
-              <a:gd name="adj2" fmla="val 56700"/>
-            </a:avLst>
-          </a:prstGeom>
-          <a:ln>
-            <a:tailEnd type="triangle"/>
-          </a:ln>
-        </p:spPr>
-        <p:style>
-          <a:lnRef idx="1">
-            <a:schemeClr val="accent1"/>
-          </a:lnRef>
-          <a:fillRef idx="0">
-            <a:schemeClr val="accent1"/>
-          </a:fillRef>
-          <a:effectRef idx="0">
-            <a:schemeClr val="accent1"/>
-          </a:effectRef>
-          <a:fontRef idx="minor">
-            <a:schemeClr val="tx1"/>
-          </a:fontRef>
-        </p:style>
-      </p:cxnSp>
-      <p:sp>
-        <p:nvSpPr>
-          <p:cNvPr id="30" name="文本框 29">
-            <a:extLst>
-              <a:ext uri="{FF2B5EF4-FFF2-40B4-BE49-F238E27FC236}">
-                <a16:creationId xmlns:a16="http://schemas.microsoft.com/office/drawing/2014/main" id="{8BB493D1-DE2F-439F-9F3D-8996A690EEEA}"/>
-              </a:ext>
-            </a:extLst>
-          </p:cNvPr>
-          <p:cNvSpPr txBox="1"/>
-          <p:nvPr/>
-        </p:nvSpPr>
-        <p:spPr>
-          <a:xfrm>
-            <a:off x="4989196" y="3628964"/>
-            <a:ext cx="2059304" cy="461665"/>
-          </a:xfrm>
-          <a:prstGeom prst="rect">
-            <a:avLst/>
-          </a:prstGeom>
-          <a:noFill/>
-        </p:spPr>
-        <p:txBody>
-          <a:bodyPr wrap="square" rtlCol="0">
-            <a:spAutoFit/>
-          </a:bodyPr>
-          <a:lstStyle/>
-          <a:p>
-            <a:r>
-              <a:rPr lang="en-US" altLang="zh-CN" sz="1200" dirty="0"/>
-              <a:t>1</a:t>
-            </a:r>
-            <a:r>
-              <a:rPr lang="zh-CN" altLang="en-US" sz="1200" dirty="0"/>
-              <a:t>、有节点超时未提交</a:t>
-            </a:r>
-            <a:r>
-              <a:rPr lang="en-US" altLang="zh-CN" sz="1200" dirty="0" err="1"/>
-              <a:t>gpk</a:t>
-            </a:r>
-            <a:endParaRPr lang="en-US" altLang="zh-CN" sz="1200" dirty="0"/>
-          </a:p>
-          <a:p>
-            <a:r>
-              <a:rPr lang="en-US" altLang="zh-CN" sz="1200" dirty="0"/>
-              <a:t>2</a:t>
-            </a:r>
-            <a:r>
-              <a:rPr lang="zh-CN" altLang="en-US" sz="1200" dirty="0"/>
-              <a:t>、有节点提交了不同的</a:t>
-            </a:r>
-            <a:r>
-              <a:rPr lang="en-US" altLang="zh-CN" sz="1200" dirty="0" err="1"/>
-              <a:t>gpk</a:t>
-            </a:r>
-            <a:endParaRPr lang="zh-CN" altLang="en-US" sz="1200" dirty="0"/>
-          </a:p>
-        </p:txBody>
-      </p:sp>
-      <p:cxnSp>
-        <p:nvCxnSpPr>
           <p:cNvPr id="32" name="连接符: 曲线 31">
             <a:extLst>
               <a:ext uri="{FF2B5EF4-FFF2-40B4-BE49-F238E27FC236}">
@@ -4279,7 +4429,7 @@
         </p:nvCxnSpPr>
         <p:spPr>
           <a:xfrm flipV="1">
-            <a:off x="8846820" y="2750820"/>
+            <a:off x="6687283" y="2750820"/>
             <a:ext cx="1546860" cy="228600"/>
           </a:xfrm>
           <a:prstGeom prst="curvedConnector4">
@@ -4321,7 +4471,7 @@
         </p:nvSpPr>
         <p:spPr>
           <a:xfrm>
-            <a:off x="8903970" y="1970423"/>
+            <a:off x="6744433" y="1970423"/>
             <a:ext cx="1489710" cy="461665"/>
           </a:xfrm>
           <a:prstGeom prst="rect">
@@ -4373,8 +4523,8 @@
         </p:nvCxnSpPr>
         <p:spPr>
           <a:xfrm rot="5400000">
-            <a:off x="5560070" y="2168516"/>
-            <a:ext cx="1633836" cy="3697605"/>
+            <a:off x="4480301" y="3248284"/>
+            <a:ext cx="1633836" cy="1538068"/>
           </a:xfrm>
           <a:prstGeom prst="curvedConnector2">
             <a:avLst/>
@@ -4400,10 +4550,10 @@
       </p:cxnSp>
       <p:sp>
         <p:nvSpPr>
-          <p:cNvPr id="37" name="文本框 36">
-            <a:extLst>
-              <a:ext uri="{FF2B5EF4-FFF2-40B4-BE49-F238E27FC236}">
-                <a16:creationId xmlns:a16="http://schemas.microsoft.com/office/drawing/2014/main" id="{7AFA455C-33A4-471E-9994-97F4F445400A}"/>
+          <p:cNvPr id="42" name="文本框 41">
+            <a:extLst>
+              <a:ext uri="{FF2B5EF4-FFF2-40B4-BE49-F238E27FC236}">
+                <a16:creationId xmlns:a16="http://schemas.microsoft.com/office/drawing/2014/main" id="{6EC96BCD-1849-44BD-A06F-C2CC8BC77198}"/>
               </a:ext>
             </a:extLst>
           </p:cNvPr>
@@ -4412,101 +4562,7 @@
         </p:nvSpPr>
         <p:spPr>
           <a:xfrm>
-            <a:off x="6467475" y="4201775"/>
-            <a:ext cx="2876550" cy="461665"/>
-          </a:xfrm>
-          <a:prstGeom prst="rect">
-            <a:avLst/>
-          </a:prstGeom>
-          <a:noFill/>
-        </p:spPr>
-        <p:txBody>
-          <a:bodyPr wrap="square" rtlCol="0">
-            <a:spAutoFit/>
-          </a:bodyPr>
-          <a:lstStyle/>
-          <a:p>
-            <a:r>
-              <a:rPr lang="en-US" altLang="zh-CN" sz="1200" dirty="0"/>
-              <a:t>1</a:t>
-            </a:r>
-            <a:r>
-              <a:rPr lang="zh-CN" altLang="en-US" sz="1200" dirty="0"/>
-              <a:t>、超时：</a:t>
-            </a:r>
-            <a:r>
-              <a:rPr lang="en-US" altLang="zh-CN" sz="1200" dirty="0" err="1"/>
-              <a:t>encSij</a:t>
-            </a:r>
-            <a:r>
-              <a:rPr lang="en-US" altLang="zh-CN" sz="1200" dirty="0"/>
-              <a:t>/</a:t>
-            </a:r>
-            <a:r>
-              <a:rPr lang="zh-CN" altLang="en-US" sz="1200" dirty="0"/>
-              <a:t>评价</a:t>
-            </a:r>
-            <a:r>
-              <a:rPr lang="en-US" altLang="zh-CN" sz="1200" dirty="0"/>
-              <a:t>/</a:t>
-            </a:r>
-            <a:r>
-              <a:rPr lang="zh-CN" altLang="en-US" sz="1200" dirty="0"/>
-              <a:t>重发</a:t>
-            </a:r>
-            <a:r>
-              <a:rPr lang="en-US" altLang="zh-CN" sz="1200" dirty="0" err="1"/>
-              <a:t>encSij</a:t>
-            </a:r>
-            <a:r>
-              <a:rPr lang="en-US" altLang="zh-CN" sz="1200" dirty="0"/>
-              <a:t>/</a:t>
-            </a:r>
-            <a:r>
-              <a:rPr lang="en-US" altLang="zh-CN" sz="1200" dirty="0" err="1"/>
-              <a:t>Sij</a:t>
-            </a:r>
-            <a:r>
-              <a:rPr lang="zh-CN" altLang="en-US" sz="1200" dirty="0"/>
-              <a:t>超时</a:t>
-            </a:r>
-            <a:endParaRPr lang="en-US" altLang="zh-CN" sz="1200" dirty="0"/>
-          </a:p>
-          <a:p>
-            <a:r>
-              <a:rPr lang="en-US" altLang="zh-CN" sz="1200" dirty="0"/>
-              <a:t>2</a:t>
-            </a:r>
-            <a:r>
-              <a:rPr lang="zh-CN" altLang="en-US" sz="1200" dirty="0"/>
-              <a:t>、挑战：</a:t>
-            </a:r>
-            <a:r>
-              <a:rPr lang="en-US" altLang="zh-CN" sz="1200" dirty="0" err="1"/>
-              <a:t>encSij</a:t>
-            </a:r>
-            <a:r>
-              <a:rPr lang="zh-CN" altLang="en-US" sz="1200" dirty="0"/>
-              <a:t>或评价错误</a:t>
-            </a:r>
-          </a:p>
-        </p:txBody>
-      </p:sp>
-      <p:sp>
-        <p:nvSpPr>
-          <p:cNvPr id="42" name="文本框 41">
-            <a:extLst>
-              <a:ext uri="{FF2B5EF4-FFF2-40B4-BE49-F238E27FC236}">
-                <a16:creationId xmlns:a16="http://schemas.microsoft.com/office/drawing/2014/main" id="{6EC96BCD-1849-44BD-A06F-C2CC8BC77198}"/>
-              </a:ext>
-            </a:extLst>
-          </p:cNvPr>
-          <p:cNvSpPr txBox="1"/>
-          <p:nvPr/>
-        </p:nvSpPr>
-        <p:spPr>
-          <a:xfrm>
-            <a:off x="1552575" y="4281100"/>
+            <a:off x="1533120" y="4029435"/>
             <a:ext cx="828675" cy="276999"/>
           </a:xfrm>
           <a:prstGeom prst="rect">
@@ -4604,14 +4660,14 @@
           <p:nvPr>
             <p:extLst>
               <p:ext uri="{D42A27DB-BD31-4B8C-83A1-F6EECF244321}">
-                <p14:modId xmlns:p14="http://schemas.microsoft.com/office/powerpoint/2010/main" val="3407414607"/>
+                <p14:modId xmlns:p14="http://schemas.microsoft.com/office/powerpoint/2010/main" val="3008416394"/>
               </p:ext>
             </p:extLst>
           </p:nvPr>
         </p:nvGraphicFramePr>
         <p:xfrm>
           <a:off x="990600" y="1877906"/>
-          <a:ext cx="10248900" cy="2021840"/>
+          <a:ext cx="10248900" cy="2016760"/>
         </p:xfrm>
         <a:graphic>
           <a:graphicData uri="http://schemas.openxmlformats.org/drawingml/2006/table">
@@ -4688,7 +4744,97 @@
                   </a:ext>
                 </a:extLst>
               </a:tr>
-              <a:tr h="370840">
+              <a:tr h="185420">
+                <a:tc>
+                  <a:txBody>
+                    <a:bodyPr/>
+                    <a:lstStyle/>
+                    <a:p>
+                      <a:r>
+                        <a:rPr lang="zh-CN" altLang="en-US" dirty="0"/>
+                        <a:t>合约计算</a:t>
+                      </a:r>
+                      <a:r>
+                        <a:rPr lang="en-US" altLang="zh-CN" dirty="0" err="1"/>
+                        <a:t>pkShare</a:t>
+                      </a:r>
+                      <a:r>
+                        <a:rPr lang="zh-CN" altLang="en-US" dirty="0"/>
+                        <a:t>和</a:t>
+                      </a:r>
+                      <a:r>
+                        <a:rPr lang="en-US" altLang="zh-CN" dirty="0" err="1"/>
+                        <a:t>gpk</a:t>
+                      </a:r>
+                      <a:r>
+                        <a:rPr lang="zh-CN" altLang="en-US" sz="1800" kern="1200" baseline="30000" dirty="0">
+                          <a:solidFill>
+                            <a:schemeClr val="accent1"/>
+                          </a:solidFill>
+                          <a:latin typeface="+mn-lt"/>
+                          <a:ea typeface="+mn-ea"/>
+                          <a:cs typeface="+mn-cs"/>
+                        </a:rPr>
+                        <a:t>算法</a:t>
+                      </a:r>
+                      <a:r>
+                        <a:rPr lang="en-US" altLang="zh-CN" baseline="30000" dirty="0">
+                          <a:solidFill>
+                            <a:schemeClr val="accent1"/>
+                          </a:solidFill>
+                        </a:rPr>
+                        <a:t>1</a:t>
+                      </a:r>
+                      <a:endParaRPr lang="zh-CN" altLang="en-US" dirty="0">
+                        <a:solidFill>
+                          <a:schemeClr val="accent1"/>
+                        </a:solidFill>
+                      </a:endParaRPr>
+                    </a:p>
+                  </a:txBody>
+                  <a:tcPr/>
+                </a:tc>
+                <a:tc>
+                  <a:txBody>
+                    <a:bodyPr/>
+                    <a:lstStyle/>
+                    <a:p>
+                      <a:r>
+                        <a:rPr lang="zh-CN" altLang="en-US" dirty="0"/>
+                        <a:t>安全性高</a:t>
+                      </a:r>
+                    </a:p>
+                  </a:txBody>
+                  <a:tcPr/>
+                </a:tc>
+                <a:tc>
+                  <a:txBody>
+                    <a:bodyPr/>
+                    <a:lstStyle/>
+                    <a:p>
+                      <a:r>
+                        <a:rPr lang="zh-CN" altLang="en-US" dirty="0"/>
+                        <a:t>合约计算量大，</a:t>
+                      </a:r>
+                      <a:r>
+                        <a:rPr lang="en-US" altLang="zh-CN" dirty="0"/>
+                        <a:t>gas</a:t>
+                      </a:r>
+                      <a:r>
+                        <a:rPr lang="zh-CN" altLang="en-US" dirty="0"/>
+                        <a:t>消耗多</a:t>
+                      </a:r>
+                    </a:p>
+                  </a:txBody>
+                  <a:tcPr/>
+                </a:tc>
+                <a:extLst>
+                  <a:ext uri="{0D108BD9-81ED-4DB2-BD59-A6C34878D82A}">
+                    <a16:rowId xmlns:a16="http://schemas.microsoft.com/office/drawing/2014/main" val="275301626"/>
+                  </a:ext>
+                </a:extLst>
+              </a:tr>
+              <a:tr h="185420">
                 <a:tc>
                   <a:txBody>
                     <a:bodyPr/>
@@ -4731,7 +4877,7 @@
                             <a:schemeClr val="accent1"/>
                           </a:solidFill>
                         </a:rPr>
-                        <a:t>1</a:t>
+                        <a:t>2</a:t>
                       </a:r>
                       <a:endParaRPr lang="zh-CN" altLang="en-US" dirty="0">
                         <a:solidFill>
@@ -4783,89 +4929,7 @@
                 </a:tc>
                 <a:extLst>
                   <a:ext uri="{0D108BD9-81ED-4DB2-BD59-A6C34878D82A}">
-                    <a16:rowId xmlns:a16="http://schemas.microsoft.com/office/drawing/2014/main" val="2566136533"/>
-                  </a:ext>
-                </a:extLst>
-              </a:tr>
-              <a:tr h="370840">
-                <a:tc>
-                  <a:txBody>
-                    <a:bodyPr/>
-                    <a:lstStyle/>
-                    <a:p>
-                      <a:r>
-                        <a:rPr lang="zh-CN" altLang="en-US" dirty="0"/>
-                        <a:t>合约计算</a:t>
-                      </a:r>
-                      <a:r>
-                        <a:rPr lang="en-US" altLang="zh-CN" dirty="0" err="1"/>
-                        <a:t>pkShare</a:t>
-                      </a:r>
-                      <a:r>
-                        <a:rPr lang="zh-CN" altLang="en-US" dirty="0"/>
-                        <a:t>和</a:t>
-                      </a:r>
-                      <a:r>
-                        <a:rPr lang="en-US" altLang="zh-CN" dirty="0" err="1"/>
-                        <a:t>gpk</a:t>
-                      </a:r>
-                      <a:r>
-                        <a:rPr lang="zh-CN" altLang="en-US" sz="1800" kern="1200" baseline="30000" dirty="0">
-                          <a:solidFill>
-                            <a:schemeClr val="accent1"/>
-                          </a:solidFill>
-                          <a:latin typeface="+mn-lt"/>
-                          <a:ea typeface="+mn-ea"/>
-                          <a:cs typeface="+mn-cs"/>
-                        </a:rPr>
-                        <a:t>算法</a:t>
-                      </a:r>
-                      <a:r>
-                        <a:rPr lang="en-US" altLang="zh-CN" baseline="30000" dirty="0">
-                          <a:solidFill>
-                            <a:schemeClr val="accent1"/>
-                          </a:solidFill>
-                        </a:rPr>
-                        <a:t>2</a:t>
-                      </a:r>
-                      <a:endParaRPr lang="zh-CN" altLang="en-US" dirty="0">
-                        <a:solidFill>
-                          <a:schemeClr val="accent1"/>
-                        </a:solidFill>
-                      </a:endParaRPr>
-                    </a:p>
-                  </a:txBody>
-                  <a:tcPr/>
-                </a:tc>
-                <a:tc>
-                  <a:txBody>
-                    <a:bodyPr/>
-                    <a:lstStyle/>
-                    <a:p>
-                      <a:r>
-                        <a:rPr lang="zh-CN" altLang="en-US" dirty="0"/>
-                        <a:t>安全性高</a:t>
-                      </a:r>
-                    </a:p>
-                  </a:txBody>
-                  <a:tcPr/>
-                </a:tc>
-                <a:tc>
-                  <a:txBody>
-                    <a:bodyPr/>
-                    <a:lstStyle/>
-                    <a:p>
-                      <a:r>
-                        <a:rPr lang="zh-CN" altLang="en-US" dirty="0"/>
-                        <a:t>合约计算量太大，复杂度高</a:t>
-                      </a:r>
-                    </a:p>
-                  </a:txBody>
-                  <a:tcPr/>
-                </a:tc>
-                <a:extLst>
-                  <a:ext uri="{0D108BD9-81ED-4DB2-BD59-A6C34878D82A}">
-                    <a16:rowId xmlns:a16="http://schemas.microsoft.com/office/drawing/2014/main" val="275301626"/>
+                    <a16:rowId xmlns:a16="http://schemas.microsoft.com/office/drawing/2014/main" val="3029958167"/>
                   </a:ext>
                 </a:extLst>
               </a:tr>
@@ -4912,7 +4976,7 @@
                             <a:schemeClr val="accent1"/>
                           </a:solidFill>
                         </a:rPr>
-                        <a:t>2</a:t>
+                        <a:t>1</a:t>
                       </a:r>
                       <a:r>
                         <a:rPr lang="zh-CN" altLang="en-US" dirty="0"/>
@@ -5006,7 +5070,7 @@
                       </a:r>
                       <a:r>
                         <a:rPr lang="zh-CN" altLang="en-US" dirty="0"/>
-                        <a:t>的过程</a:t>
+                        <a:t>的过程，合约判断门限也比较复杂</a:t>
                       </a:r>
                     </a:p>
                   </a:txBody>
@@ -5074,245 +5138,6 @@
                     </a:solidFill>
                   </a:rPr>
                   <a:t>1</a:t>
-                </a:r>
-                <a:r>
-                  <a:rPr lang="zh-CN" altLang="en-US" dirty="0"/>
-                  <a:t>：</a:t>
-                </a:r>
-                <a14:m>
-                  <m:oMath xmlns:m="http://schemas.openxmlformats.org/officeDocument/2006/math">
-                    <m:r>
-                      <m:rPr>
-                        <m:sty m:val="p"/>
-                      </m:rPr>
-                      <a:rPr lang="en-US" altLang="zh-CN" b="0" i="0" smtClean="0">
-                        <a:latin typeface="Cambria Math" panose="02040503050406030204" pitchFamily="18" charset="0"/>
-                      </a:rPr>
-                      <m:t>sk</m:t>
-                    </m:r>
-                    <m:r>
-                      <a:rPr lang="en-US" altLang="zh-CN" b="0" i="1">
-                        <a:latin typeface="Cambria Math" panose="02040503050406030204" pitchFamily="18" charset="0"/>
-                      </a:rPr>
-                      <m:t>𝑆h𝑎𝑟</m:t>
-                    </m:r>
-                    <m:r>
-                      <a:rPr lang="en-US" altLang="zh-CN" b="0" i="1" smtClean="0">
-                        <a:latin typeface="Cambria Math" panose="02040503050406030204" pitchFamily="18" charset="0"/>
-                      </a:rPr>
-                      <m:t>𝑒</m:t>
-                    </m:r>
-                    <m:r>
-                      <a:rPr lang="en-US" altLang="zh-CN" b="0" i="1" baseline="-25000" smtClean="0">
-                        <a:latin typeface="Cambria Math" panose="02040503050406030204" pitchFamily="18" charset="0"/>
-                      </a:rPr>
-                      <m:t>𝑖</m:t>
-                    </m:r>
-                    <m:r>
-                      <a:rPr lang="en-US" altLang="zh-CN" b="0" i="1" baseline="-25000" smtClean="0">
-                        <a:latin typeface="Cambria Math" panose="02040503050406030204" pitchFamily="18" charset="0"/>
-                      </a:rPr>
-                      <m:t> </m:t>
-                    </m:r>
-                    <m:r>
-                      <m:rPr>
-                        <m:nor/>
-                      </m:rPr>
-                      <a:rPr lang="en-US" altLang="zh-CN" dirty="0"/>
-                      <m:t>=</m:t>
-                    </m:r>
-                    <m:r>
-                      <m:rPr>
-                        <m:nor/>
-                      </m:rPr>
-                      <a:rPr lang="en-US" altLang="zh-CN" b="0" i="0" dirty="0" smtClean="0"/>
-                      <m:t> </m:t>
-                    </m:r>
-                    <m:nary>
-                      <m:naryPr>
-                        <m:chr m:val="∑"/>
-                        <m:ctrlPr>
-                          <a:rPr lang="pt-BR" altLang="zh-CN" i="1" smtClean="0">
-                            <a:latin typeface="Cambria Math" panose="02040503050406030204" pitchFamily="18" charset="0"/>
-                          </a:rPr>
-                        </m:ctrlPr>
-                      </m:naryPr>
-                      <m:sub>
-                        <m:r>
-                          <m:rPr>
-                            <m:brk m:alnAt="23"/>
-                          </m:rPr>
-                          <a:rPr lang="en-US" altLang="zh-CN" b="0" i="1">
-                            <a:latin typeface="Cambria Math" panose="02040503050406030204" pitchFamily="18" charset="0"/>
-                          </a:rPr>
-                          <m:t>𝑗</m:t>
-                        </m:r>
-                        <m:r>
-                          <a:rPr lang="pt-BR" altLang="zh-CN" b="0" i="1" smtClean="0">
-                            <a:latin typeface="Cambria Math" panose="02040503050406030204" pitchFamily="18" charset="0"/>
-                          </a:rPr>
-                          <m:t>=</m:t>
-                        </m:r>
-                        <m:r>
-                          <a:rPr lang="en-US" altLang="zh-CN" b="0" i="1" smtClean="0">
-                            <a:latin typeface="Cambria Math" panose="02040503050406030204" pitchFamily="18" charset="0"/>
-                          </a:rPr>
-                          <m:t>1</m:t>
-                        </m:r>
-                      </m:sub>
-                      <m:sup>
-                        <m:r>
-                          <a:rPr lang="pt-BR" altLang="zh-CN" b="0" i="1" smtClean="0">
-                            <a:latin typeface="Cambria Math" panose="02040503050406030204" pitchFamily="18" charset="0"/>
-                          </a:rPr>
-                          <m:t>𝑛</m:t>
-                        </m:r>
-                      </m:sup>
-                      <m:e>
-                        <m:r>
-                          <a:rPr lang="en-US" altLang="zh-CN" b="0" i="1" smtClean="0">
-                            <a:latin typeface="Cambria Math" panose="02040503050406030204" pitchFamily="18" charset="0"/>
-                          </a:rPr>
-                          <m:t>𝑠</m:t>
-                        </m:r>
-                        <m:r>
-                          <a:rPr lang="en-US" altLang="zh-CN" b="0" i="1" baseline="-25000" smtClean="0">
-                            <a:latin typeface="Cambria Math" panose="02040503050406030204" pitchFamily="18" charset="0"/>
-                          </a:rPr>
-                          <m:t>𝑗𝑖</m:t>
-                        </m:r>
-                      </m:e>
-                    </m:nary>
-                  </m:oMath>
-                </a14:m>
-                <a:r>
-                  <a:rPr lang="en-US" altLang="zh-CN" dirty="0"/>
-                  <a:t>, pkShare</a:t>
-                </a:r>
-                <a:r>
-                  <a:rPr lang="en-US" altLang="zh-CN" baseline="-25000" dirty="0"/>
-                  <a:t>i </a:t>
-                </a:r>
-                <a:r>
-                  <a:rPr lang="en-US" altLang="zh-CN" dirty="0"/>
-                  <a:t>= </a:t>
-                </a:r>
-                <a14:m>
-                  <m:oMath xmlns:m="http://schemas.openxmlformats.org/officeDocument/2006/math">
-                    <m:r>
-                      <a:rPr lang="en-US" altLang="zh-CN" b="0" i="1">
-                        <a:latin typeface="Cambria Math" panose="02040503050406030204" pitchFamily="18" charset="0"/>
-                      </a:rPr>
-                      <m:t>𝑠𝑘𝑆h𝑎𝑟𝑒</m:t>
-                    </m:r>
-                    <m:r>
-                      <a:rPr lang="en-US" altLang="zh-CN" b="0" i="1" baseline="-25000">
-                        <a:latin typeface="Cambria Math" panose="02040503050406030204" pitchFamily="18" charset="0"/>
-                      </a:rPr>
-                      <m:t>𝑖</m:t>
-                    </m:r>
-                    <m:r>
-                      <a:rPr lang="en-US" altLang="zh-CN" b="0" i="1" baseline="-25000">
-                        <a:latin typeface="Cambria Math" panose="02040503050406030204" pitchFamily="18" charset="0"/>
-                      </a:rPr>
-                      <m:t> </m:t>
-                    </m:r>
-                  </m:oMath>
-                </a14:m>
-                <a:r>
-                  <a:rPr lang="zh-CN" altLang="en-US" dirty="0">
-                    <a:sym typeface="Symbol" panose="05050102010706020507" pitchFamily="18" charset="2"/>
-                  </a:rPr>
-                  <a:t></a:t>
-                </a:r>
-                <a:r>
-                  <a:rPr lang="en-US" altLang="zh-CN" dirty="0"/>
-                  <a:t>G, </a:t>
-                </a:r>
-                <a:r>
-                  <a:rPr lang="en-US" altLang="zh-CN" dirty="0" err="1"/>
-                  <a:t>gpk</a:t>
-                </a:r>
-                <a:r>
-                  <a:rPr lang="en-US" altLang="zh-CN" dirty="0"/>
-                  <a:t> = </a:t>
-                </a:r>
-                <a14:m>
-                  <m:oMath xmlns:m="http://schemas.openxmlformats.org/officeDocument/2006/math">
-                    <m:nary>
-                      <m:naryPr>
-                        <m:chr m:val="∑"/>
-                        <m:ctrlPr>
-                          <a:rPr lang="pt-BR" altLang="zh-CN" i="1">
-                            <a:latin typeface="Cambria Math" panose="02040503050406030204" pitchFamily="18" charset="0"/>
-                          </a:rPr>
-                        </m:ctrlPr>
-                      </m:naryPr>
-                      <m:sub>
-                        <m:r>
-                          <a:rPr lang="en-US" altLang="zh-CN" b="0" i="1" smtClean="0">
-                            <a:latin typeface="Cambria Math" panose="02040503050406030204" pitchFamily="18" charset="0"/>
-                          </a:rPr>
-                          <m:t>𝑖</m:t>
-                        </m:r>
-                        <m:r>
-                          <a:rPr lang="pt-BR" altLang="zh-CN" b="0" i="1">
-                            <a:latin typeface="Cambria Math" panose="02040503050406030204" pitchFamily="18" charset="0"/>
-                          </a:rPr>
-                          <m:t>=</m:t>
-                        </m:r>
-                        <m:r>
-                          <a:rPr lang="en-US" altLang="zh-CN" b="0" i="1">
-                            <a:latin typeface="Cambria Math" panose="02040503050406030204" pitchFamily="18" charset="0"/>
-                          </a:rPr>
-                          <m:t>1</m:t>
-                        </m:r>
-                      </m:sub>
-                      <m:sup>
-                        <m:r>
-                          <a:rPr lang="pt-BR" altLang="zh-CN" b="0" i="1">
-                            <a:latin typeface="Cambria Math" panose="02040503050406030204" pitchFamily="18" charset="0"/>
-                          </a:rPr>
-                          <m:t>𝑛</m:t>
-                        </m:r>
-                      </m:sup>
-                      <m:e>
-                        <m:r>
-                          <m:rPr>
-                            <m:nor/>
-                          </m:rPr>
-                          <a:rPr lang="en-US" altLang="zh-CN" dirty="0"/>
-                          <m:t>pkShare</m:t>
-                        </m:r>
-                        <m:r>
-                          <m:rPr>
-                            <m:nor/>
-                          </m:rPr>
-                          <a:rPr lang="en-US" altLang="zh-CN" baseline="-25000" dirty="0"/>
-                          <m:t>i</m:t>
-                        </m:r>
-                      </m:e>
-                    </m:nary>
-                  </m:oMath>
-                </a14:m>
-                <a:endParaRPr lang="en-US" altLang="zh-CN" dirty="0"/>
-              </a:p>
-              <a:p>
-                <a:r>
-                  <a:rPr lang="zh-CN" altLang="en-US" dirty="0">
-                    <a:solidFill>
-                      <a:schemeClr val="accent1"/>
-                    </a:solidFill>
-                  </a:rPr>
-                  <a:t>算法</a:t>
-                </a:r>
-                <a:r>
-                  <a:rPr lang="en-US" altLang="zh-CN" dirty="0">
-                    <a:solidFill>
-                      <a:schemeClr val="accent1"/>
-                    </a:solidFill>
-                  </a:rPr>
-                  <a:t>2</a:t>
                 </a:r>
                 <a:r>
                   <a:rPr lang="zh-CN" altLang="en-US" dirty="0"/>
@@ -5709,6 +5534,249 @@
                     </m:nary>
                   </m:oMath>
                 </a14:m>
+                <a:endParaRPr lang="en-US" altLang="zh-CN" dirty="0">
+                  <a:solidFill>
+                    <a:schemeClr val="accent1"/>
+                  </a:solidFill>
+                </a:endParaRPr>
+              </a:p>
+              <a:p>
+                <a:r>
+                  <a:rPr lang="zh-CN" altLang="en-US" dirty="0">
+                    <a:solidFill>
+                      <a:schemeClr val="accent1"/>
+                    </a:solidFill>
+                  </a:rPr>
+                  <a:t>算法</a:t>
+                </a:r>
+                <a:r>
+                  <a:rPr lang="en-US" altLang="zh-CN" dirty="0">
+                    <a:solidFill>
+                      <a:schemeClr val="accent1"/>
+                    </a:solidFill>
+                  </a:rPr>
+                  <a:t>2</a:t>
+                </a:r>
+                <a:r>
+                  <a:rPr lang="zh-CN" altLang="en-US" dirty="0"/>
+                  <a:t>：</a:t>
+                </a:r>
+                <a14:m>
+                  <m:oMath xmlns:m="http://schemas.openxmlformats.org/officeDocument/2006/math">
+                    <m:r>
+                      <m:rPr>
+                        <m:sty m:val="p"/>
+                      </m:rPr>
+                      <a:rPr lang="en-US" altLang="zh-CN" b="0" i="0" smtClean="0">
+                        <a:latin typeface="Cambria Math" panose="02040503050406030204" pitchFamily="18" charset="0"/>
+                      </a:rPr>
+                      <m:t>sk</m:t>
+                    </m:r>
+                    <m:r>
+                      <a:rPr lang="en-US" altLang="zh-CN" b="0" i="1">
+                        <a:latin typeface="Cambria Math" panose="02040503050406030204" pitchFamily="18" charset="0"/>
+                      </a:rPr>
+                      <m:t>𝑆h𝑎𝑟</m:t>
+                    </m:r>
+                    <m:r>
+                      <a:rPr lang="en-US" altLang="zh-CN" b="0" i="1" smtClean="0">
+                        <a:latin typeface="Cambria Math" panose="02040503050406030204" pitchFamily="18" charset="0"/>
+                      </a:rPr>
+                      <m:t>𝑒</m:t>
+                    </m:r>
+                    <m:r>
+                      <a:rPr lang="en-US" altLang="zh-CN" b="0" i="1" baseline="-25000" smtClean="0">
+                        <a:latin typeface="Cambria Math" panose="02040503050406030204" pitchFamily="18" charset="0"/>
+                      </a:rPr>
+                      <m:t>𝑖</m:t>
+                    </m:r>
+                    <m:r>
+                      <a:rPr lang="en-US" altLang="zh-CN" b="0" i="1" baseline="-25000" smtClean="0">
+                        <a:latin typeface="Cambria Math" panose="02040503050406030204" pitchFamily="18" charset="0"/>
+                      </a:rPr>
+                      <m:t> </m:t>
+                    </m:r>
+                    <m:r>
+                      <m:rPr>
+                        <m:nor/>
+                      </m:rPr>
+                      <a:rPr lang="en-US" altLang="zh-CN" dirty="0"/>
+                      <m:t>=</m:t>
+                    </m:r>
+                    <m:r>
+                      <m:rPr>
+                        <m:nor/>
+                      </m:rPr>
+                      <a:rPr lang="en-US" altLang="zh-CN" b="0" i="0" dirty="0" smtClean="0"/>
+                      <m:t> </m:t>
+                    </m:r>
+                    <m:nary>
+                      <m:naryPr>
+                        <m:chr m:val="∑"/>
+                        <m:ctrlPr>
+                          <a:rPr lang="pt-BR" altLang="zh-CN" i="1" smtClean="0">
+                            <a:latin typeface="Cambria Math" panose="02040503050406030204" pitchFamily="18" charset="0"/>
+                          </a:rPr>
+                        </m:ctrlPr>
+                      </m:naryPr>
+                      <m:sub>
+                        <m:r>
+                          <m:rPr>
+                            <m:brk m:alnAt="23"/>
+                          </m:rPr>
+                          <a:rPr lang="en-US" altLang="zh-CN" b="0" i="1">
+                            <a:latin typeface="Cambria Math" panose="02040503050406030204" pitchFamily="18" charset="0"/>
+                          </a:rPr>
+                          <m:t>𝑗</m:t>
+                        </m:r>
+                        <m:r>
+                          <a:rPr lang="pt-BR" altLang="zh-CN" b="0" i="1" smtClean="0">
+                            <a:latin typeface="Cambria Math" panose="02040503050406030204" pitchFamily="18" charset="0"/>
+                          </a:rPr>
+                          <m:t>=</m:t>
+                        </m:r>
+                        <m:r>
+                          <a:rPr lang="en-US" altLang="zh-CN" b="0" i="1" smtClean="0">
+                            <a:latin typeface="Cambria Math" panose="02040503050406030204" pitchFamily="18" charset="0"/>
+                          </a:rPr>
+                          <m:t>1</m:t>
+                        </m:r>
+                      </m:sub>
+                      <m:sup>
+                        <m:r>
+                          <a:rPr lang="pt-BR" altLang="zh-CN" b="0" i="1" smtClean="0">
+                            <a:latin typeface="Cambria Math" panose="02040503050406030204" pitchFamily="18" charset="0"/>
+                          </a:rPr>
+                          <m:t>𝑛</m:t>
+                        </m:r>
+                      </m:sup>
+                      <m:e>
+                        <m:r>
+                          <a:rPr lang="en-US" altLang="zh-CN" b="0" i="1" smtClean="0">
+                            <a:latin typeface="Cambria Math" panose="02040503050406030204" pitchFamily="18" charset="0"/>
+                          </a:rPr>
+                          <m:t>𝑠</m:t>
+                        </m:r>
+                        <m:r>
+                          <a:rPr lang="en-US" altLang="zh-CN" b="0" i="1" baseline="-25000" smtClean="0">
+                            <a:latin typeface="Cambria Math" panose="02040503050406030204" pitchFamily="18" charset="0"/>
+                          </a:rPr>
+                          <m:t>𝑗𝑖</m:t>
+                        </m:r>
+                      </m:e>
+                    </m:nary>
+                  </m:oMath>
+                </a14:m>
+                <a:r>
+                  <a:rPr lang="en-US" altLang="zh-CN" dirty="0"/>
+                  <a:t>, pkShare</a:t>
+                </a:r>
+                <a:r>
+                  <a:rPr lang="en-US" altLang="zh-CN" baseline="-25000" dirty="0"/>
+                  <a:t>i </a:t>
+                </a:r>
+                <a:r>
+                  <a:rPr lang="en-US" altLang="zh-CN" dirty="0"/>
+                  <a:t>= </a:t>
+                </a:r>
+                <a14:m>
+                  <m:oMath xmlns:m="http://schemas.openxmlformats.org/officeDocument/2006/math">
+                    <m:r>
+                      <a:rPr lang="en-US" altLang="zh-CN" b="0" i="1">
+                        <a:latin typeface="Cambria Math" panose="02040503050406030204" pitchFamily="18" charset="0"/>
+                      </a:rPr>
+                      <m:t>𝑠𝑘𝑆h𝑎𝑟𝑒</m:t>
+                    </m:r>
+                    <m:r>
+                      <a:rPr lang="en-US" altLang="zh-CN" b="0" i="1" baseline="-25000">
+                        <a:latin typeface="Cambria Math" panose="02040503050406030204" pitchFamily="18" charset="0"/>
+                      </a:rPr>
+                      <m:t>𝑖</m:t>
+                    </m:r>
+                    <m:r>
+                      <a:rPr lang="en-US" altLang="zh-CN" b="0" i="1" baseline="-25000">
+                        <a:latin typeface="Cambria Math" panose="02040503050406030204" pitchFamily="18" charset="0"/>
+                      </a:rPr>
+                      <m:t> </m:t>
+                    </m:r>
+                  </m:oMath>
+                </a14:m>
+                <a:r>
+                  <a:rPr lang="zh-CN" altLang="en-US" dirty="0">
+                    <a:sym typeface="Symbol" panose="05050102010706020507" pitchFamily="18" charset="2"/>
+                  </a:rPr>
+                  <a:t></a:t>
+                </a:r>
+                <a:r>
+                  <a:rPr lang="en-US" altLang="zh-CN" dirty="0"/>
+                  <a:t>G, </a:t>
+                </a:r>
+                <a:r>
+                  <a:rPr lang="en-US" altLang="zh-CN" dirty="0" err="1"/>
+                  <a:t>gpk</a:t>
+                </a:r>
+                <a:r>
+                  <a:rPr lang="en-US" altLang="zh-CN" dirty="0"/>
+                  <a:t> = </a:t>
+                </a:r>
+                <a14:m>
+                  <m:oMath xmlns:m="http://schemas.openxmlformats.org/officeDocument/2006/math">
+                    <m:nary>
+                      <m:naryPr>
+                        <m:chr m:val="∑"/>
+                        <m:ctrlPr>
+                          <a:rPr lang="pt-BR" altLang="zh-CN" i="1">
+                            <a:latin typeface="Cambria Math" panose="02040503050406030204" pitchFamily="18" charset="0"/>
+                          </a:rPr>
+                        </m:ctrlPr>
+                      </m:naryPr>
+                      <m:sub>
+                        <m:r>
+                          <a:rPr lang="en-US" altLang="zh-CN" b="0" i="1" smtClean="0">
+                            <a:latin typeface="Cambria Math" panose="02040503050406030204" pitchFamily="18" charset="0"/>
+                          </a:rPr>
+                          <m:t>𝑖</m:t>
+                        </m:r>
+                        <m:r>
+                          <a:rPr lang="pt-BR" altLang="zh-CN" b="0" i="1">
+                            <a:latin typeface="Cambria Math" panose="02040503050406030204" pitchFamily="18" charset="0"/>
+                          </a:rPr>
+                          <m:t>=</m:t>
+                        </m:r>
+                        <m:r>
+                          <a:rPr lang="en-US" altLang="zh-CN" b="0" i="1">
+                            <a:latin typeface="Cambria Math" panose="02040503050406030204" pitchFamily="18" charset="0"/>
+                          </a:rPr>
+                          <m:t>1</m:t>
+                        </m:r>
+                      </m:sub>
+                      <m:sup>
+                        <m:r>
+                          <a:rPr lang="pt-BR" altLang="zh-CN" b="0" i="1">
+                            <a:latin typeface="Cambria Math" panose="02040503050406030204" pitchFamily="18" charset="0"/>
+                          </a:rPr>
+                          <m:t>𝑛</m:t>
+                        </m:r>
+                      </m:sup>
+                      <m:e>
+                        <m:r>
+                          <m:rPr>
+                            <m:nor/>
+                          </m:rPr>
+                          <a:rPr lang="en-US" altLang="zh-CN" dirty="0"/>
+                          <m:t>pkShare</m:t>
+                        </m:r>
+                        <m:r>
+                          <m:rPr>
+                            <m:nor/>
+                          </m:rPr>
+                          <a:rPr lang="en-US" altLang="zh-CN" baseline="-25000" dirty="0"/>
+                          <m:t>i</m:t>
+                        </m:r>
+                      </m:e>
+                    </m:nary>
+                  </m:oMath>
+                </a14:m>
                 <a:endParaRPr lang="en-US" altLang="zh-CN" dirty="0"/>
               </a:p>
               <a:p>
@@ -5738,7 +5806,7 @@
                 </a:r>
                 <a:r>
                   <a:rPr lang="zh-CN" altLang="en-US" dirty="0"/>
-                  <a:t>为准；将来如果完全放开，以超过门限的</a:t>
+                  <a:t>为准；将来如果完全放开，以超过预设门限的</a:t>
                 </a:r>
                 <a:r>
                   <a:rPr lang="en-US" altLang="zh-CN" dirty="0" err="1"/>
@@ -5785,7 +5853,7 @@
               <a:blipFill>
                 <a:blip r:embed="rId2"/>
                 <a:stretch>
-                  <a:fillRect l="-439" t="-9060" b="-7047"/>
+                  <a:fillRect l="-439" t="-9060" b="-5369"/>
                 </a:stretch>
               </a:blipFill>
             </p:spPr>
@@ -5880,7 +5948,7 @@
         </p:nvSpPr>
         <p:spPr>
           <a:xfrm>
-            <a:off x="1965960" y="2481056"/>
+            <a:off x="1965960" y="2746948"/>
             <a:ext cx="1242060" cy="441960"/>
           </a:xfrm>
           <a:prstGeom prst="roundRect">
@@ -5930,7 +5998,7 @@
         </p:nvSpPr>
         <p:spPr>
           <a:xfrm>
-            <a:off x="5221605" y="1520936"/>
+            <a:off x="5221605" y="2331576"/>
             <a:ext cx="1242060" cy="441960"/>
           </a:xfrm>
           <a:prstGeom prst="roundRect">
@@ -5979,7 +6047,7 @@
         </p:nvSpPr>
         <p:spPr>
           <a:xfrm>
-            <a:off x="5215890" y="3441176"/>
+            <a:off x="5215890" y="3181773"/>
             <a:ext cx="1242060" cy="441960"/>
           </a:xfrm>
           <a:prstGeom prst="roundRect">
@@ -6016,10 +6084,10 @@
       </p:sp>
       <p:sp>
         <p:nvSpPr>
-          <p:cNvPr id="9" name="矩形: 圆角 8">
-            <a:extLst>
-              <a:ext uri="{FF2B5EF4-FFF2-40B4-BE49-F238E27FC236}">
-                <a16:creationId xmlns:a16="http://schemas.microsoft.com/office/drawing/2014/main" id="{0E37119B-C501-4CE6-B699-5C193D3029DD}"/>
+          <p:cNvPr id="11" name="矩形: 圆角 10">
+            <a:extLst>
+              <a:ext uri="{FF2B5EF4-FFF2-40B4-BE49-F238E27FC236}">
+                <a16:creationId xmlns:a16="http://schemas.microsoft.com/office/drawing/2014/main" id="{8F866863-CED1-464F-B6A3-251B199C8A3B}"/>
               </a:ext>
             </a:extLst>
           </p:cNvPr>
@@ -6028,57 +6096,7 @@
         </p:nvSpPr>
         <p:spPr>
           <a:xfrm>
-            <a:off x="7696200" y="2481056"/>
-            <a:ext cx="1242060" cy="441960"/>
-          </a:xfrm>
-          <a:prstGeom prst="roundRect">
-            <a:avLst/>
-          </a:prstGeom>
-        </p:spPr>
-        <p:style>
-          <a:lnRef idx="2">
-            <a:schemeClr val="accent1">
-              <a:shade val="50000"/>
-            </a:schemeClr>
-          </a:lnRef>
-          <a:fillRef idx="1">
-            <a:schemeClr val="accent1"/>
-          </a:fillRef>
-          <a:effectRef idx="0">
-            <a:schemeClr val="accent1"/>
-          </a:effectRef>
-          <a:fontRef idx="minor">
-            <a:schemeClr val="lt1"/>
-          </a:fontRef>
-        </p:style>
-        <p:txBody>
-          <a:bodyPr rtlCol="0" anchor="ctr"/>
-          <a:lstStyle/>
-          <a:p>
-            <a:pPr algn="ctr"/>
-            <a:r>
-              <a:rPr lang="en-US" altLang="zh-CN" dirty="0"/>
-              <a:t>Challenge</a:t>
-            </a:r>
-            <a:endParaRPr lang="en-US" altLang="zh-CN" sz="1400" dirty="0"/>
-          </a:p>
-        </p:txBody>
-      </p:sp>
-      <p:sp>
-        <p:nvSpPr>
-          <p:cNvPr id="11" name="矩形: 圆角 10">
-            <a:extLst>
-              <a:ext uri="{FF2B5EF4-FFF2-40B4-BE49-F238E27FC236}">
-                <a16:creationId xmlns:a16="http://schemas.microsoft.com/office/drawing/2014/main" id="{8F866863-CED1-464F-B6A3-251B199C8A3B}"/>
-              </a:ext>
-            </a:extLst>
-          </p:cNvPr>
-          <p:cNvSpPr/>
-          <p:nvPr/>
-        </p:nvSpPr>
-        <p:spPr>
-          <a:xfrm>
-            <a:off x="5215890" y="5217588"/>
+            <a:off x="5215890" y="4659872"/>
             <a:ext cx="1242060" cy="441960"/>
           </a:xfrm>
           <a:prstGeom prst="roundRect">
@@ -6141,8 +6159,8 @@
         </p:nvCxnSpPr>
         <p:spPr>
           <a:xfrm flipV="1">
-            <a:off x="3208020" y="1741916"/>
-            <a:ext cx="2013585" cy="960120"/>
+            <a:off x="3208020" y="2552556"/>
+            <a:ext cx="2013585" cy="415372"/>
           </a:xfrm>
           <a:prstGeom prst="curvedConnector3">
             <a:avLst>
@@ -6185,7 +6203,7 @@
         </p:nvCxnSpPr>
         <p:spPr>
           <a:xfrm rot="10800000" flipH="1">
-            <a:off x="1965960" y="2481056"/>
+            <a:off x="1965960" y="2746948"/>
             <a:ext cx="621030" cy="220980"/>
           </a:xfrm>
           <a:prstGeom prst="curvedConnector4">
@@ -6227,8 +6245,8 @@
         </p:nvSpPr>
         <p:spPr>
           <a:xfrm>
-            <a:off x="1432560" y="1918307"/>
-            <a:ext cx="1516380" cy="276999"/>
+            <a:off x="1536320" y="2184199"/>
+            <a:ext cx="1242060" cy="276999"/>
           </a:xfrm>
           <a:prstGeom prst="rect">
             <a:avLst/>
@@ -6247,7 +6265,7 @@
             </a:r>
             <a:r>
               <a:rPr lang="zh-CN" altLang="en-US" sz="1200" dirty="0"/>
-              <a:t>初次提交</a:t>
+              <a:t>提交</a:t>
             </a:r>
             <a:r>
               <a:rPr lang="en-US" altLang="zh-CN" sz="1200" dirty="0" err="1"/>
@@ -6271,7 +6289,7 @@
         </p:nvSpPr>
         <p:spPr>
           <a:xfrm>
-            <a:off x="3874770" y="1705602"/>
+            <a:off x="4293161" y="2492821"/>
             <a:ext cx="853440" cy="276999"/>
           </a:xfrm>
           <a:prstGeom prst="rect">
@@ -6311,7 +6329,7 @@
         </p:nvSpPr>
         <p:spPr>
           <a:xfrm>
-            <a:off x="4211955" y="3065872"/>
+            <a:off x="4290512" y="3164669"/>
             <a:ext cx="887730" cy="276999"/>
           </a:xfrm>
           <a:prstGeom prst="rect">
@@ -6347,6 +6365,7 @@
             </a:extLst>
           </p:cNvPr>
           <p:cNvCxnSpPr>
+            <a:cxnSpLocks/>
             <a:stCxn id="6" idx="3"/>
             <a:endCxn id="8" idx="1"/>
           </p:cNvCxnSpPr>
@@ -6354,8 +6373,8 @@
         </p:nvCxnSpPr>
         <p:spPr>
           <a:xfrm>
-            <a:off x="3208020" y="2702036"/>
-            <a:ext cx="2007870" cy="960120"/>
+            <a:off x="3208020" y="2967928"/>
+            <a:ext cx="2007870" cy="434825"/>
           </a:xfrm>
           <a:prstGeom prst="curvedConnector3">
             <a:avLst/>
@@ -6381,23 +6400,432 @@
       </p:cxnSp>
       <p:cxnSp>
         <p:nvCxnSpPr>
-          <p:cNvPr id="44" name="连接符: 曲线 43">
-            <a:extLst>
-              <a:ext uri="{FF2B5EF4-FFF2-40B4-BE49-F238E27FC236}">
-                <a16:creationId xmlns:a16="http://schemas.microsoft.com/office/drawing/2014/main" id="{C336AE49-EAA6-475F-B9E6-8798334F6FEA}"/>
+          <p:cNvPr id="61" name="连接符: 曲线 60">
+            <a:extLst>
+              <a:ext uri="{FF2B5EF4-FFF2-40B4-BE49-F238E27FC236}">
+                <a16:creationId xmlns:a16="http://schemas.microsoft.com/office/drawing/2014/main" id="{5D0F1719-5304-402A-9A57-06A3ED0B78B4}"/>
               </a:ext>
             </a:extLst>
           </p:cNvPr>
           <p:cNvCxnSpPr>
-            <a:stCxn id="6" idx="3"/>
-            <a:endCxn id="9" idx="1"/>
+            <a:cxnSpLocks/>
+            <a:stCxn id="8" idx="2"/>
+            <a:endCxn id="11" idx="0"/>
+          </p:cNvCxnSpPr>
+          <p:nvPr/>
+        </p:nvCxnSpPr>
+        <p:spPr>
+          <a:xfrm rot="5400000">
+            <a:off x="5318851" y="4141802"/>
+            <a:ext cx="1036139" cy="12700"/>
+          </a:xfrm>
+          <a:prstGeom prst="curvedConnector3">
+            <a:avLst/>
+          </a:prstGeom>
+          <a:ln>
+            <a:tailEnd type="triangle"/>
+          </a:ln>
+        </p:spPr>
+        <p:style>
+          <a:lnRef idx="1">
+            <a:schemeClr val="accent1"/>
+          </a:lnRef>
+          <a:fillRef idx="0">
+            <a:schemeClr val="accent1"/>
+          </a:fillRef>
+          <a:effectRef idx="0">
+            <a:schemeClr val="accent1"/>
+          </a:effectRef>
+          <a:fontRef idx="minor">
+            <a:schemeClr val="tx1"/>
+          </a:fontRef>
+        </p:style>
+      </p:cxnSp>
+      <p:sp>
+        <p:nvSpPr>
+          <p:cNvPr id="63" name="文本框 62">
+            <a:extLst>
+              <a:ext uri="{FF2B5EF4-FFF2-40B4-BE49-F238E27FC236}">
+                <a16:creationId xmlns:a16="http://schemas.microsoft.com/office/drawing/2014/main" id="{4CFAE2FC-B685-499B-9C05-2A56E9077763}"/>
+              </a:ext>
+            </a:extLst>
+          </p:cNvPr>
+          <p:cNvSpPr txBox="1"/>
+          <p:nvPr/>
+        </p:nvSpPr>
+        <p:spPr>
+          <a:xfrm>
+            <a:off x="5359019" y="4003081"/>
+            <a:ext cx="1108869" cy="276999"/>
+          </a:xfrm>
+          <a:prstGeom prst="rect">
+            <a:avLst/>
+          </a:prstGeom>
+          <a:noFill/>
+        </p:spPr>
+        <p:txBody>
+          <a:bodyPr wrap="square" rtlCol="0">
+            <a:spAutoFit/>
+          </a:bodyPr>
+          <a:lstStyle/>
+          <a:p>
+            <a:r>
+              <a:rPr lang="en-US" altLang="zh-CN" sz="1200" dirty="0" err="1"/>
+              <a:t>srcPk</a:t>
+            </a:r>
+            <a:r>
+              <a:rPr lang="zh-CN" altLang="en-US" sz="1200" dirty="0"/>
+              <a:t>提交</a:t>
+            </a:r>
+            <a:r>
+              <a:rPr lang="en-US" altLang="zh-CN" sz="1200" dirty="0" err="1"/>
+              <a:t>Sij</a:t>
+            </a:r>
+            <a:endParaRPr lang="zh-CN" altLang="en-US" dirty="0"/>
+          </a:p>
+        </p:txBody>
+      </p:sp>
+      <p:cxnSp>
+        <p:nvCxnSpPr>
+          <p:cNvPr id="65" name="连接符: 曲线 64">
+            <a:extLst>
+              <a:ext uri="{FF2B5EF4-FFF2-40B4-BE49-F238E27FC236}">
+                <a16:creationId xmlns:a16="http://schemas.microsoft.com/office/drawing/2014/main" id="{40DC35C3-80C9-45B9-9815-2FB8E4E2AB20}"/>
+              </a:ext>
+            </a:extLst>
+          </p:cNvPr>
+          <p:cNvCxnSpPr>
+            <a:cxnSpLocks/>
+            <a:stCxn id="8" idx="3"/>
+            <a:endCxn id="11" idx="3"/>
           </p:cNvCxnSpPr>
           <p:nvPr/>
         </p:nvCxnSpPr>
         <p:spPr>
           <a:xfrm>
-            <a:off x="3208020" y="2702036"/>
-            <a:ext cx="4488180" cy="12700"/>
+            <a:off x="6457950" y="3402753"/>
+            <a:ext cx="12700" cy="1478099"/>
+          </a:xfrm>
+          <a:prstGeom prst="curvedConnector3">
+            <a:avLst>
+              <a:gd name="adj1" fmla="val 7468087"/>
+            </a:avLst>
+          </a:prstGeom>
+          <a:ln>
+            <a:tailEnd type="triangle"/>
+          </a:ln>
+        </p:spPr>
+        <p:style>
+          <a:lnRef idx="1">
+            <a:schemeClr val="accent1"/>
+          </a:lnRef>
+          <a:fillRef idx="0">
+            <a:schemeClr val="accent1"/>
+          </a:fillRef>
+          <a:effectRef idx="0">
+            <a:schemeClr val="accent1"/>
+          </a:effectRef>
+          <a:fontRef idx="minor">
+            <a:schemeClr val="tx1"/>
+          </a:fontRef>
+        </p:style>
+      </p:cxnSp>
+      <p:sp>
+        <p:nvSpPr>
+          <p:cNvPr id="66" name="文本框 65">
+            <a:extLst>
+              <a:ext uri="{FF2B5EF4-FFF2-40B4-BE49-F238E27FC236}">
+                <a16:creationId xmlns:a16="http://schemas.microsoft.com/office/drawing/2014/main" id="{01DE1DF2-A77D-4679-A631-86083D425E35}"/>
+              </a:ext>
+            </a:extLst>
+          </p:cNvPr>
+          <p:cNvSpPr txBox="1"/>
+          <p:nvPr/>
+        </p:nvSpPr>
+        <p:spPr>
+          <a:xfrm>
+            <a:off x="6715000" y="3980323"/>
+            <a:ext cx="1467391" cy="276999"/>
+          </a:xfrm>
+          <a:prstGeom prst="rect">
+            <a:avLst/>
+          </a:prstGeom>
+          <a:noFill/>
+        </p:spPr>
+        <p:txBody>
+          <a:bodyPr wrap="square" rtlCol="0">
+            <a:spAutoFit/>
+          </a:bodyPr>
+          <a:lstStyle/>
+          <a:p>
+            <a:r>
+              <a:rPr lang="en-US" altLang="zh-CN" sz="1200" dirty="0" err="1"/>
+              <a:t>srcPk</a:t>
+            </a:r>
+            <a:r>
+              <a:rPr lang="zh-CN" altLang="en-US" sz="1200" dirty="0"/>
+              <a:t>超时未提交</a:t>
+            </a:r>
+            <a:r>
+              <a:rPr lang="en-US" altLang="zh-CN" sz="1200" dirty="0" err="1"/>
+              <a:t>Sij</a:t>
+            </a:r>
+            <a:endParaRPr lang="zh-CN" altLang="en-US" sz="1200" dirty="0"/>
+          </a:p>
+        </p:txBody>
+      </p:sp>
+      <p:cxnSp>
+        <p:nvCxnSpPr>
+          <p:cNvPr id="68" name="连接符: 曲线 67">
+            <a:extLst>
+              <a:ext uri="{FF2B5EF4-FFF2-40B4-BE49-F238E27FC236}">
+                <a16:creationId xmlns:a16="http://schemas.microsoft.com/office/drawing/2014/main" id="{15255C3C-FBA1-4F90-88D0-D91E0DAA0497}"/>
+              </a:ext>
+            </a:extLst>
+          </p:cNvPr>
+          <p:cNvCxnSpPr>
+            <a:cxnSpLocks/>
+            <a:stCxn id="6" idx="3"/>
+            <a:endCxn id="11" idx="1"/>
+          </p:cNvCxnSpPr>
+          <p:nvPr/>
+        </p:nvCxnSpPr>
+        <p:spPr>
+          <a:xfrm>
+            <a:off x="3208020" y="2967928"/>
+            <a:ext cx="2007870" cy="1912924"/>
+          </a:xfrm>
+          <a:prstGeom prst="curvedConnector3">
+            <a:avLst/>
+          </a:prstGeom>
+          <a:ln>
+            <a:tailEnd type="triangle"/>
+          </a:ln>
+        </p:spPr>
+        <p:style>
+          <a:lnRef idx="1">
+            <a:schemeClr val="accent1"/>
+          </a:lnRef>
+          <a:fillRef idx="0">
+            <a:schemeClr val="accent1"/>
+          </a:fillRef>
+          <a:effectRef idx="0">
+            <a:schemeClr val="accent1"/>
+          </a:effectRef>
+          <a:fontRef idx="minor">
+            <a:schemeClr val="tx1"/>
+          </a:fontRef>
+        </p:style>
+      </p:cxnSp>
+      <p:sp>
+        <p:nvSpPr>
+          <p:cNvPr id="69" name="文本框 68">
+            <a:extLst>
+              <a:ext uri="{FF2B5EF4-FFF2-40B4-BE49-F238E27FC236}">
+                <a16:creationId xmlns:a16="http://schemas.microsoft.com/office/drawing/2014/main" id="{652ED487-2F7F-4850-BDF8-0E7594E29C29}"/>
+              </a:ext>
+            </a:extLst>
+          </p:cNvPr>
+          <p:cNvSpPr txBox="1"/>
+          <p:nvPr/>
+        </p:nvSpPr>
+        <p:spPr>
+          <a:xfrm>
+            <a:off x="3636310" y="4259230"/>
+            <a:ext cx="1407160" cy="276999"/>
+          </a:xfrm>
+          <a:prstGeom prst="rect">
+            <a:avLst/>
+          </a:prstGeom>
+          <a:noFill/>
+        </p:spPr>
+        <p:txBody>
+          <a:bodyPr wrap="square" rtlCol="0">
+            <a:spAutoFit/>
+          </a:bodyPr>
+          <a:lstStyle/>
+          <a:p>
+            <a:r>
+              <a:rPr lang="en-US" altLang="zh-CN" sz="1200" dirty="0" err="1"/>
+              <a:t>destPk</a:t>
+            </a:r>
+            <a:r>
+              <a:rPr lang="zh-CN" altLang="en-US" sz="1200" dirty="0"/>
+              <a:t>超时未评价</a:t>
+            </a:r>
+          </a:p>
+        </p:txBody>
+      </p:sp>
+      <p:cxnSp>
+        <p:nvCxnSpPr>
+          <p:cNvPr id="71" name="连接符: 曲线 70">
+            <a:extLst>
+              <a:ext uri="{FF2B5EF4-FFF2-40B4-BE49-F238E27FC236}">
+                <a16:creationId xmlns:a16="http://schemas.microsoft.com/office/drawing/2014/main" id="{A767ECF9-82FF-4FE7-8CDD-8A4965CA158C}"/>
+              </a:ext>
+            </a:extLst>
+          </p:cNvPr>
+          <p:cNvCxnSpPr>
+            <a:cxnSpLocks/>
+            <a:stCxn id="6" idx="1"/>
+            <a:endCxn id="11" idx="1"/>
+          </p:cNvCxnSpPr>
+          <p:nvPr/>
+        </p:nvCxnSpPr>
+        <p:spPr>
+          <a:xfrm rot="10800000" flipH="1" flipV="1">
+            <a:off x="1965960" y="2967928"/>
+            <a:ext cx="3249930" cy="1912924"/>
+          </a:xfrm>
+          <a:prstGeom prst="curvedConnector3">
+            <a:avLst>
+              <a:gd name="adj1" fmla="val -7034"/>
+            </a:avLst>
+          </a:prstGeom>
+          <a:ln>
+            <a:tailEnd type="triangle"/>
+          </a:ln>
+        </p:spPr>
+        <p:style>
+          <a:lnRef idx="1">
+            <a:schemeClr val="accent1"/>
+          </a:lnRef>
+          <a:fillRef idx="0">
+            <a:schemeClr val="accent1"/>
+          </a:fillRef>
+          <a:effectRef idx="0">
+            <a:schemeClr val="accent1"/>
+          </a:effectRef>
+          <a:fontRef idx="minor">
+            <a:schemeClr val="tx1"/>
+          </a:fontRef>
+        </p:style>
+      </p:cxnSp>
+      <p:sp>
+        <p:nvSpPr>
+          <p:cNvPr id="72" name="文本框 71">
+            <a:extLst>
+              <a:ext uri="{FF2B5EF4-FFF2-40B4-BE49-F238E27FC236}">
+                <a16:creationId xmlns:a16="http://schemas.microsoft.com/office/drawing/2014/main" id="{5A828560-6D59-4D17-BF55-165675F1B675}"/>
+              </a:ext>
+            </a:extLst>
+          </p:cNvPr>
+          <p:cNvSpPr txBox="1"/>
+          <p:nvPr/>
+        </p:nvSpPr>
+        <p:spPr>
+          <a:xfrm>
+            <a:off x="1333712" y="4264933"/>
+            <a:ext cx="1662112" cy="461665"/>
+          </a:xfrm>
+          <a:prstGeom prst="rect">
+            <a:avLst/>
+          </a:prstGeom>
+          <a:noFill/>
+        </p:spPr>
+        <p:txBody>
+          <a:bodyPr wrap="square" rtlCol="0">
+            <a:spAutoFit/>
+          </a:bodyPr>
+          <a:lstStyle/>
+          <a:p>
+            <a:r>
+              <a:rPr lang="en-US" altLang="zh-CN" sz="1200" dirty="0" err="1"/>
+              <a:t>srcPk</a:t>
+            </a:r>
+            <a:r>
+              <a:rPr lang="zh-CN" altLang="en-US" sz="1200" dirty="0"/>
+              <a:t>超时未提交</a:t>
+            </a:r>
+            <a:r>
+              <a:rPr lang="en-US" altLang="zh-CN" sz="1200" dirty="0" err="1"/>
+              <a:t>encSij</a:t>
+            </a:r>
+            <a:endParaRPr lang="en-US" altLang="zh-CN" sz="1200" dirty="0"/>
+          </a:p>
+          <a:p>
+            <a:endParaRPr lang="zh-CN" altLang="en-US" sz="1200" dirty="0"/>
+          </a:p>
+        </p:txBody>
+      </p:sp>
+      <p:sp>
+        <p:nvSpPr>
+          <p:cNvPr id="19" name="矩形: 圆角 18">
+            <a:extLst>
+              <a:ext uri="{FF2B5EF4-FFF2-40B4-BE49-F238E27FC236}">
+                <a16:creationId xmlns:a16="http://schemas.microsoft.com/office/drawing/2014/main" id="{ECDD1C0C-0038-4AA5-A616-A8785BB4DEA4}"/>
+              </a:ext>
+            </a:extLst>
+          </p:cNvPr>
+          <p:cNvSpPr/>
+          <p:nvPr/>
+        </p:nvSpPr>
+        <p:spPr>
+          <a:xfrm>
+            <a:off x="8117975" y="2331576"/>
+            <a:ext cx="1242060" cy="441960"/>
+          </a:xfrm>
+          <a:prstGeom prst="roundRect">
+            <a:avLst/>
+          </a:prstGeom>
+          <a:noFill/>
+        </p:spPr>
+        <p:style>
+          <a:lnRef idx="2">
+            <a:schemeClr val="accent1">
+              <a:shade val="50000"/>
+            </a:schemeClr>
+          </a:lnRef>
+          <a:fillRef idx="1">
+            <a:schemeClr val="accent1"/>
+          </a:fillRef>
+          <a:effectRef idx="0">
+            <a:schemeClr val="accent1"/>
+          </a:effectRef>
+          <a:fontRef idx="minor">
+            <a:schemeClr val="lt1"/>
+          </a:fontRef>
+        </p:style>
+        <p:txBody>
+          <a:bodyPr rtlCol="0" anchor="ctr"/>
+          <a:lstStyle/>
+          <a:p>
+            <a:pPr algn="ctr"/>
+            <a:r>
+              <a:rPr lang="en-US" altLang="zh-CN" dirty="0">
+                <a:solidFill>
+                  <a:schemeClr val="tx1"/>
+                </a:solidFill>
+              </a:rPr>
+              <a:t>Complete</a:t>
+            </a:r>
+            <a:endParaRPr lang="en-US" altLang="zh-CN" sz="1400" dirty="0">
+              <a:solidFill>
+                <a:schemeClr val="tx1"/>
+              </a:solidFill>
+            </a:endParaRPr>
+          </a:p>
+        </p:txBody>
+      </p:sp>
+      <p:cxnSp>
+        <p:nvCxnSpPr>
+          <p:cNvPr id="42" name="连接符: 曲线 41">
+            <a:extLst>
+              <a:ext uri="{FF2B5EF4-FFF2-40B4-BE49-F238E27FC236}">
+                <a16:creationId xmlns:a16="http://schemas.microsoft.com/office/drawing/2014/main" id="{89E047F8-20F5-4A17-BB5D-346CB6928ECE}"/>
+              </a:ext>
+            </a:extLst>
+          </p:cNvPr>
+          <p:cNvCxnSpPr>
+            <a:cxnSpLocks/>
+            <a:endCxn id="19" idx="1"/>
+          </p:cNvCxnSpPr>
+          <p:nvPr/>
+        </p:nvCxnSpPr>
+        <p:spPr>
+          <a:xfrm>
+            <a:off x="6472109" y="2552556"/>
+            <a:ext cx="1645866" cy="12700"/>
           </a:xfrm>
           <a:prstGeom prst="curvedConnector3">
             <a:avLst>
@@ -6425,10 +6853,10 @@
       </p:cxnSp>
       <p:sp>
         <p:nvSpPr>
-          <p:cNvPr id="49" name="文本框 48">
-            <a:extLst>
-              <a:ext uri="{FF2B5EF4-FFF2-40B4-BE49-F238E27FC236}">
-                <a16:creationId xmlns:a16="http://schemas.microsoft.com/office/drawing/2014/main" id="{C58E0359-DCCB-4404-8807-5C6D1303016A}"/>
+          <p:cNvPr id="22" name="文本框 21">
+            <a:extLst>
+              <a:ext uri="{FF2B5EF4-FFF2-40B4-BE49-F238E27FC236}">
+                <a16:creationId xmlns:a16="http://schemas.microsoft.com/office/drawing/2014/main" id="{6602A415-8D5E-4026-B590-52B2E0723F53}"/>
               </a:ext>
             </a:extLst>
           </p:cNvPr>
@@ -6437,8 +6865,8 @@
         </p:nvSpPr>
         <p:spPr>
           <a:xfrm>
-            <a:off x="5220623" y="2403894"/>
-            <a:ext cx="1242059" cy="276999"/>
+            <a:off x="6715000" y="2253898"/>
+            <a:ext cx="1183858" cy="276999"/>
           </a:xfrm>
           <a:prstGeom prst="rect">
             <a:avLst/>
@@ -6452,651 +6880,14 @@
           <a:lstStyle/>
           <a:p>
             <a:r>
-              <a:rPr lang="en-US" altLang="zh-CN" sz="1200" dirty="0" err="1"/>
-              <a:t>destPk</a:t>
-            </a:r>
-            <a:r>
               <a:rPr lang="zh-CN" altLang="en-US" sz="1200" dirty="0"/>
-              <a:t>直接挑战</a:t>
-            </a:r>
-            <a:endParaRPr lang="en-US" altLang="zh-CN" sz="1200" dirty="0"/>
-          </a:p>
-        </p:txBody>
-      </p:sp>
-      <p:cxnSp>
-        <p:nvCxnSpPr>
-          <p:cNvPr id="54" name="连接符: 曲线 53">
-            <a:extLst>
-              <a:ext uri="{FF2B5EF4-FFF2-40B4-BE49-F238E27FC236}">
-                <a16:creationId xmlns:a16="http://schemas.microsoft.com/office/drawing/2014/main" id="{4ED38230-B7CF-46D6-9945-BBDE865AC4C9}"/>
-              </a:ext>
-            </a:extLst>
-          </p:cNvPr>
-          <p:cNvCxnSpPr>
-            <a:cxnSpLocks/>
-            <a:stCxn id="8" idx="2"/>
-            <a:endCxn id="9" idx="2"/>
-          </p:cNvCxnSpPr>
-          <p:nvPr/>
-        </p:nvCxnSpPr>
-        <p:spPr>
-          <a:xfrm rot="5400000" flipH="1" flipV="1">
-            <a:off x="6597015" y="2162921"/>
-            <a:ext cx="960120" cy="2480310"/>
-          </a:xfrm>
-          <a:prstGeom prst="curvedConnector3">
-            <a:avLst>
-              <a:gd name="adj1" fmla="val -23810"/>
-            </a:avLst>
-          </a:prstGeom>
-          <a:ln>
-            <a:tailEnd type="triangle"/>
-          </a:ln>
-        </p:spPr>
-        <p:style>
-          <a:lnRef idx="1">
-            <a:schemeClr val="accent1"/>
-          </a:lnRef>
-          <a:fillRef idx="0">
-            <a:schemeClr val="accent1"/>
-          </a:fillRef>
-          <a:effectRef idx="0">
-            <a:schemeClr val="accent1"/>
-          </a:effectRef>
-          <a:fontRef idx="minor">
-            <a:schemeClr val="tx1"/>
-          </a:fontRef>
-        </p:style>
-      </p:cxnSp>
-      <p:sp>
-        <p:nvSpPr>
-          <p:cNvPr id="55" name="文本框 54">
-            <a:extLst>
-              <a:ext uri="{FF2B5EF4-FFF2-40B4-BE49-F238E27FC236}">
-                <a16:creationId xmlns:a16="http://schemas.microsoft.com/office/drawing/2014/main" id="{D6042AB5-1DA4-466B-805B-85B10B7584E3}"/>
-              </a:ext>
-            </a:extLst>
-          </p:cNvPr>
-          <p:cNvSpPr txBox="1"/>
-          <p:nvPr/>
-        </p:nvSpPr>
-        <p:spPr>
-          <a:xfrm>
-            <a:off x="7484745" y="3438833"/>
-            <a:ext cx="1143000" cy="276999"/>
-          </a:xfrm>
-          <a:prstGeom prst="rect">
-            <a:avLst/>
-          </a:prstGeom>
-          <a:noFill/>
-        </p:spPr>
-        <p:txBody>
-          <a:bodyPr wrap="square" rtlCol="0">
-            <a:spAutoFit/>
-          </a:bodyPr>
-          <a:lstStyle/>
-          <a:p>
-            <a:r>
-              <a:rPr lang="zh-CN" altLang="en-US" sz="1200" dirty="0"/>
-              <a:t>达到最大次数</a:t>
-            </a:r>
-          </a:p>
-        </p:txBody>
-      </p:sp>
-      <p:cxnSp>
-        <p:nvCxnSpPr>
-          <p:cNvPr id="58" name="连接符: 曲线 57">
-            <a:extLst>
-              <a:ext uri="{FF2B5EF4-FFF2-40B4-BE49-F238E27FC236}">
-                <a16:creationId xmlns:a16="http://schemas.microsoft.com/office/drawing/2014/main" id="{97A708E3-76BA-4DB9-9E8B-35A7AF96270D}"/>
-              </a:ext>
-            </a:extLst>
-          </p:cNvPr>
-          <p:cNvCxnSpPr>
-            <a:stCxn id="8" idx="2"/>
-            <a:endCxn id="6" idx="2"/>
-          </p:cNvCxnSpPr>
-          <p:nvPr/>
-        </p:nvCxnSpPr>
-        <p:spPr>
-          <a:xfrm rot="5400000" flipH="1">
-            <a:off x="3731895" y="1778111"/>
-            <a:ext cx="960120" cy="3249930"/>
-          </a:xfrm>
-          <a:prstGeom prst="curvedConnector3">
-            <a:avLst>
-              <a:gd name="adj1" fmla="val -23810"/>
-            </a:avLst>
-          </a:prstGeom>
-          <a:ln>
-            <a:tailEnd type="triangle"/>
-          </a:ln>
-        </p:spPr>
-        <p:style>
-          <a:lnRef idx="1">
-            <a:schemeClr val="accent1"/>
-          </a:lnRef>
-          <a:fillRef idx="0">
-            <a:schemeClr val="accent1"/>
-          </a:fillRef>
-          <a:effectRef idx="0">
-            <a:schemeClr val="accent1"/>
-          </a:effectRef>
-          <a:fontRef idx="minor">
-            <a:schemeClr val="tx1"/>
-          </a:fontRef>
-        </p:style>
-      </p:cxnSp>
-      <p:sp>
-        <p:nvSpPr>
-          <p:cNvPr id="59" name="文本框 58">
-            <a:extLst>
-              <a:ext uri="{FF2B5EF4-FFF2-40B4-BE49-F238E27FC236}">
-                <a16:creationId xmlns:a16="http://schemas.microsoft.com/office/drawing/2014/main" id="{021B3573-A524-4E07-AD1F-FABE3D757AC4}"/>
-              </a:ext>
-            </a:extLst>
-          </p:cNvPr>
-          <p:cNvSpPr txBox="1"/>
-          <p:nvPr/>
-        </p:nvSpPr>
-        <p:spPr>
-          <a:xfrm>
-            <a:off x="2254807" y="3434171"/>
-            <a:ext cx="1516380" cy="553998"/>
-          </a:xfrm>
-          <a:prstGeom prst="rect">
-            <a:avLst/>
-          </a:prstGeom>
-          <a:noFill/>
-        </p:spPr>
-        <p:txBody>
-          <a:bodyPr wrap="square" rtlCol="0">
-            <a:spAutoFit/>
-          </a:bodyPr>
-          <a:lstStyle/>
-          <a:p>
-            <a:r>
-              <a:rPr lang="en-US" altLang="zh-CN" sz="1200" dirty="0" err="1"/>
-              <a:t>srcPk</a:t>
-            </a:r>
-            <a:r>
-              <a:rPr lang="zh-CN" altLang="en-US" sz="1200" dirty="0"/>
-              <a:t>重新提交</a:t>
-            </a:r>
-            <a:r>
-              <a:rPr lang="en-US" altLang="zh-CN" sz="1200" dirty="0" err="1"/>
-              <a:t>encSij</a:t>
-            </a:r>
-            <a:endParaRPr lang="en-US" altLang="zh-CN" sz="1200" dirty="0"/>
-          </a:p>
-          <a:p>
-            <a:endParaRPr lang="zh-CN" altLang="en-US" dirty="0"/>
-          </a:p>
-        </p:txBody>
-      </p:sp>
-      <p:cxnSp>
-        <p:nvCxnSpPr>
-          <p:cNvPr id="61" name="连接符: 曲线 60">
-            <a:extLst>
-              <a:ext uri="{FF2B5EF4-FFF2-40B4-BE49-F238E27FC236}">
-                <a16:creationId xmlns:a16="http://schemas.microsoft.com/office/drawing/2014/main" id="{5D0F1719-5304-402A-9A57-06A3ED0B78B4}"/>
-              </a:ext>
-            </a:extLst>
-          </p:cNvPr>
-          <p:cNvCxnSpPr>
-            <a:cxnSpLocks/>
-            <a:stCxn id="8" idx="2"/>
-            <a:endCxn id="11" idx="0"/>
-          </p:cNvCxnSpPr>
-          <p:nvPr/>
-        </p:nvCxnSpPr>
-        <p:spPr>
-          <a:xfrm rot="5400000">
-            <a:off x="5169694" y="4550362"/>
-            <a:ext cx="1334452" cy="12700"/>
-          </a:xfrm>
-          <a:prstGeom prst="curvedConnector3">
-            <a:avLst/>
-          </a:prstGeom>
-          <a:ln>
-            <a:tailEnd type="triangle"/>
-          </a:ln>
-        </p:spPr>
-        <p:style>
-          <a:lnRef idx="1">
-            <a:schemeClr val="accent1"/>
-          </a:lnRef>
-          <a:fillRef idx="0">
-            <a:schemeClr val="accent1"/>
-          </a:fillRef>
-          <a:effectRef idx="0">
-            <a:schemeClr val="accent1"/>
-          </a:effectRef>
-          <a:fontRef idx="minor">
-            <a:schemeClr val="tx1"/>
-          </a:fontRef>
-        </p:style>
-      </p:cxnSp>
-      <p:sp>
-        <p:nvSpPr>
-          <p:cNvPr id="63" name="文本框 62">
-            <a:extLst>
-              <a:ext uri="{FF2B5EF4-FFF2-40B4-BE49-F238E27FC236}">
-                <a16:creationId xmlns:a16="http://schemas.microsoft.com/office/drawing/2014/main" id="{4CFAE2FC-B685-499B-9C05-2A56E9077763}"/>
-              </a:ext>
-            </a:extLst>
-          </p:cNvPr>
-          <p:cNvSpPr txBox="1"/>
-          <p:nvPr/>
-        </p:nvSpPr>
-        <p:spPr>
-          <a:xfrm>
-            <a:off x="4905059" y="4288424"/>
-            <a:ext cx="2240914" cy="738664"/>
-          </a:xfrm>
-          <a:prstGeom prst="rect">
-            <a:avLst/>
-          </a:prstGeom>
-          <a:noFill/>
-        </p:spPr>
-        <p:txBody>
-          <a:bodyPr wrap="square" rtlCol="0">
-            <a:spAutoFit/>
-          </a:bodyPr>
-          <a:lstStyle/>
-          <a:p>
+              <a:t>所有评价都</a:t>
+            </a:r>
             <a:r>
               <a:rPr lang="en-US" altLang="zh-CN" sz="1200" dirty="0"/>
-              <a:t>1</a:t>
-            </a:r>
-            <a:r>
-              <a:rPr lang="zh-CN" altLang="en-US" sz="1200" dirty="0"/>
-              <a:t>、</a:t>
-            </a:r>
-            <a:r>
-              <a:rPr lang="en-US" altLang="zh-CN" sz="1200" dirty="0" err="1"/>
-              <a:t>srcPk</a:t>
-            </a:r>
-            <a:r>
-              <a:rPr lang="zh-CN" altLang="en-US" sz="1200" dirty="0"/>
-              <a:t>超时未重新提交</a:t>
-            </a:r>
-            <a:r>
-              <a:rPr lang="en-US" altLang="zh-CN" sz="1200" dirty="0" err="1"/>
-              <a:t>encSij</a:t>
-            </a:r>
-            <a:endParaRPr lang="en-US" altLang="zh-CN" sz="1200" dirty="0"/>
-          </a:p>
-          <a:p>
-            <a:r>
-              <a:rPr lang="en-US" altLang="zh-CN" sz="1200" dirty="0"/>
-              <a:t>2</a:t>
-            </a:r>
-            <a:r>
-              <a:rPr lang="zh-CN" altLang="en-US" sz="1200" dirty="0"/>
-              <a:t>、</a:t>
-            </a:r>
-            <a:r>
-              <a:rPr lang="en-US" altLang="zh-CN" sz="1200" dirty="0" err="1"/>
-              <a:t>srcPk</a:t>
-            </a:r>
-            <a:r>
-              <a:rPr lang="zh-CN" altLang="en-US" sz="1200" dirty="0"/>
-              <a:t>直接揭示</a:t>
-            </a:r>
-            <a:r>
-              <a:rPr lang="en-US" altLang="zh-CN" sz="1200" dirty="0" err="1"/>
-              <a:t>Sij</a:t>
-            </a:r>
-            <a:endParaRPr lang="en-US" altLang="zh-CN" sz="1200" dirty="0"/>
-          </a:p>
-          <a:p>
-            <a:endParaRPr lang="zh-CN" altLang="en-US" dirty="0"/>
-          </a:p>
-        </p:txBody>
-      </p:sp>
-      <p:cxnSp>
-        <p:nvCxnSpPr>
-          <p:cNvPr id="65" name="连接符: 曲线 64">
-            <a:extLst>
-              <a:ext uri="{FF2B5EF4-FFF2-40B4-BE49-F238E27FC236}">
-                <a16:creationId xmlns:a16="http://schemas.microsoft.com/office/drawing/2014/main" id="{40DC35C3-80C9-45B9-9815-2FB8E4E2AB20}"/>
-              </a:ext>
-            </a:extLst>
-          </p:cNvPr>
-          <p:cNvCxnSpPr>
-            <a:stCxn id="9" idx="3"/>
-            <a:endCxn id="11" idx="3"/>
-          </p:cNvCxnSpPr>
-          <p:nvPr/>
-        </p:nvCxnSpPr>
-        <p:spPr>
-          <a:xfrm flipH="1">
-            <a:off x="6457950" y="2702036"/>
-            <a:ext cx="2480310" cy="2736532"/>
-          </a:xfrm>
-          <a:prstGeom prst="curvedConnector3">
-            <a:avLst>
-              <a:gd name="adj1" fmla="val -9217"/>
-            </a:avLst>
-          </a:prstGeom>
-          <a:ln>
-            <a:tailEnd type="triangle"/>
-          </a:ln>
-        </p:spPr>
-        <p:style>
-          <a:lnRef idx="1">
-            <a:schemeClr val="accent1"/>
-          </a:lnRef>
-          <a:fillRef idx="0">
-            <a:schemeClr val="accent1"/>
-          </a:fillRef>
-          <a:effectRef idx="0">
-            <a:schemeClr val="accent1"/>
-          </a:effectRef>
-          <a:fontRef idx="minor">
-            <a:schemeClr val="tx1"/>
-          </a:fontRef>
-        </p:style>
-      </p:cxnSp>
-      <p:sp>
-        <p:nvSpPr>
-          <p:cNvPr id="66" name="文本框 65">
-            <a:extLst>
-              <a:ext uri="{FF2B5EF4-FFF2-40B4-BE49-F238E27FC236}">
-                <a16:creationId xmlns:a16="http://schemas.microsoft.com/office/drawing/2014/main" id="{01DE1DF2-A77D-4679-A631-86083D425E35}"/>
-              </a:ext>
-            </a:extLst>
-          </p:cNvPr>
-          <p:cNvSpPr txBox="1"/>
-          <p:nvPr/>
-        </p:nvSpPr>
-        <p:spPr>
-          <a:xfrm>
-            <a:off x="8202929" y="4252657"/>
-            <a:ext cx="1857375" cy="461665"/>
-          </a:xfrm>
-          <a:prstGeom prst="rect">
-            <a:avLst/>
-          </a:prstGeom>
-          <a:noFill/>
-        </p:spPr>
-        <p:txBody>
-          <a:bodyPr wrap="square" rtlCol="0">
-            <a:spAutoFit/>
-          </a:bodyPr>
-          <a:lstStyle/>
-          <a:p>
-            <a:r>
-              <a:rPr lang="en-US" altLang="zh-CN" sz="1200" dirty="0"/>
-              <a:t>1</a:t>
-            </a:r>
-            <a:r>
-              <a:rPr lang="zh-CN" altLang="en-US" sz="1200" dirty="0"/>
-              <a:t>、</a:t>
-            </a:r>
-            <a:r>
-              <a:rPr lang="en-US" altLang="zh-CN" sz="1200" dirty="0" err="1"/>
-              <a:t>srcPk</a:t>
-            </a:r>
-            <a:r>
-              <a:rPr lang="zh-CN" altLang="en-US" sz="1200" dirty="0"/>
-              <a:t>超时未提交</a:t>
-            </a:r>
-            <a:r>
-              <a:rPr lang="en-US" altLang="zh-CN" sz="1200" dirty="0" err="1"/>
-              <a:t>Sij</a:t>
-            </a:r>
-            <a:endParaRPr lang="en-US" altLang="zh-CN" sz="1200" dirty="0"/>
-          </a:p>
-          <a:p>
-            <a:r>
-              <a:rPr lang="en-US" altLang="zh-CN" sz="1200" dirty="0"/>
-              <a:t>2</a:t>
-            </a:r>
-            <a:r>
-              <a:rPr lang="zh-CN" altLang="en-US" sz="1200" dirty="0"/>
-              <a:t>、</a:t>
-            </a:r>
-            <a:r>
-              <a:rPr lang="en-US" altLang="zh-CN" sz="1200" dirty="0" err="1"/>
-              <a:t>srcPk</a:t>
-            </a:r>
-            <a:r>
-              <a:rPr lang="zh-CN" altLang="en-US" sz="1200" dirty="0"/>
-              <a:t>提交</a:t>
-            </a:r>
-            <a:r>
-              <a:rPr lang="en-US" altLang="zh-CN" sz="1200" dirty="0" err="1"/>
-              <a:t>Sij</a:t>
-            </a:r>
-            <a:r>
-              <a:rPr lang="zh-CN" altLang="en-US" sz="1200" dirty="0"/>
-              <a:t>执行裁决</a:t>
-            </a:r>
-          </a:p>
-        </p:txBody>
-      </p:sp>
-      <p:cxnSp>
-        <p:nvCxnSpPr>
-          <p:cNvPr id="68" name="连接符: 曲线 67">
-            <a:extLst>
-              <a:ext uri="{FF2B5EF4-FFF2-40B4-BE49-F238E27FC236}">
-                <a16:creationId xmlns:a16="http://schemas.microsoft.com/office/drawing/2014/main" id="{15255C3C-FBA1-4F90-88D0-D91E0DAA0497}"/>
-              </a:ext>
-            </a:extLst>
-          </p:cNvPr>
-          <p:cNvCxnSpPr>
-            <a:stCxn id="6" idx="3"/>
-            <a:endCxn id="11" idx="1"/>
-          </p:cNvCxnSpPr>
-          <p:nvPr/>
-        </p:nvCxnSpPr>
-        <p:spPr>
-          <a:xfrm>
-            <a:off x="3208020" y="2702036"/>
-            <a:ext cx="2007870" cy="2736532"/>
-          </a:xfrm>
-          <a:prstGeom prst="curvedConnector3">
-            <a:avLst/>
-          </a:prstGeom>
-          <a:ln>
-            <a:tailEnd type="triangle"/>
-          </a:ln>
-        </p:spPr>
-        <p:style>
-          <a:lnRef idx="1">
-            <a:schemeClr val="accent1"/>
-          </a:lnRef>
-          <a:fillRef idx="0">
-            <a:schemeClr val="accent1"/>
-          </a:fillRef>
-          <a:effectRef idx="0">
-            <a:schemeClr val="accent1"/>
-          </a:effectRef>
-          <a:fontRef idx="minor">
-            <a:schemeClr val="tx1"/>
-          </a:fontRef>
-        </p:style>
-      </p:cxnSp>
-      <p:sp>
-        <p:nvSpPr>
-          <p:cNvPr id="69" name="文本框 68">
-            <a:extLst>
-              <a:ext uri="{FF2B5EF4-FFF2-40B4-BE49-F238E27FC236}">
-                <a16:creationId xmlns:a16="http://schemas.microsoft.com/office/drawing/2014/main" id="{652ED487-2F7F-4850-BDF8-0E7594E29C29}"/>
-              </a:ext>
-            </a:extLst>
-          </p:cNvPr>
-          <p:cNvSpPr txBox="1"/>
-          <p:nvPr/>
-        </p:nvSpPr>
-        <p:spPr>
-          <a:xfrm>
-            <a:off x="3370423" y="4291651"/>
-            <a:ext cx="1407160" cy="276999"/>
-          </a:xfrm>
-          <a:prstGeom prst="rect">
-            <a:avLst/>
-          </a:prstGeom>
-          <a:noFill/>
-        </p:spPr>
-        <p:txBody>
-          <a:bodyPr wrap="square" rtlCol="0">
-            <a:spAutoFit/>
-          </a:bodyPr>
-          <a:lstStyle/>
-          <a:p>
-            <a:r>
-              <a:rPr lang="en-US" altLang="zh-CN" sz="1200" dirty="0" err="1"/>
-              <a:t>destPk</a:t>
-            </a:r>
-            <a:r>
-              <a:rPr lang="zh-CN" altLang="en-US" sz="1200" dirty="0"/>
-              <a:t>超时未评价</a:t>
-            </a:r>
-          </a:p>
-        </p:txBody>
-      </p:sp>
-      <p:cxnSp>
-        <p:nvCxnSpPr>
-          <p:cNvPr id="71" name="连接符: 曲线 70">
-            <a:extLst>
-              <a:ext uri="{FF2B5EF4-FFF2-40B4-BE49-F238E27FC236}">
-                <a16:creationId xmlns:a16="http://schemas.microsoft.com/office/drawing/2014/main" id="{A767ECF9-82FF-4FE7-8CDD-8A4965CA158C}"/>
-              </a:ext>
-            </a:extLst>
-          </p:cNvPr>
-          <p:cNvCxnSpPr>
-            <a:stCxn id="6" idx="1"/>
-            <a:endCxn id="11" idx="1"/>
-          </p:cNvCxnSpPr>
-          <p:nvPr/>
-        </p:nvCxnSpPr>
-        <p:spPr>
-          <a:xfrm rot="10800000" flipH="1" flipV="1">
-            <a:off x="1965960" y="2702036"/>
-            <a:ext cx="3249930" cy="2736532"/>
-          </a:xfrm>
-          <a:prstGeom prst="curvedConnector3">
-            <a:avLst>
-              <a:gd name="adj1" fmla="val -7034"/>
-            </a:avLst>
-          </a:prstGeom>
-          <a:ln>
-            <a:tailEnd type="triangle"/>
-          </a:ln>
-        </p:spPr>
-        <p:style>
-          <a:lnRef idx="1">
-            <a:schemeClr val="accent1"/>
-          </a:lnRef>
-          <a:fillRef idx="0">
-            <a:schemeClr val="accent1"/>
-          </a:fillRef>
-          <a:effectRef idx="0">
-            <a:schemeClr val="accent1"/>
-          </a:effectRef>
-          <a:fontRef idx="minor">
-            <a:schemeClr val="tx1"/>
-          </a:fontRef>
-        </p:style>
-      </p:cxnSp>
-      <p:sp>
-        <p:nvSpPr>
-          <p:cNvPr id="72" name="文本框 71">
-            <a:extLst>
-              <a:ext uri="{FF2B5EF4-FFF2-40B4-BE49-F238E27FC236}">
-                <a16:creationId xmlns:a16="http://schemas.microsoft.com/office/drawing/2014/main" id="{5A828560-6D59-4D17-BF55-165675F1B675}"/>
-              </a:ext>
-            </a:extLst>
-          </p:cNvPr>
-          <p:cNvSpPr txBox="1"/>
-          <p:nvPr/>
-        </p:nvSpPr>
-        <p:spPr>
-          <a:xfrm>
-            <a:off x="1087281" y="4297354"/>
-            <a:ext cx="1662112" cy="461665"/>
-          </a:xfrm>
-          <a:prstGeom prst="rect">
-            <a:avLst/>
-          </a:prstGeom>
-          <a:noFill/>
-        </p:spPr>
-        <p:txBody>
-          <a:bodyPr wrap="square" rtlCol="0">
-            <a:spAutoFit/>
-          </a:bodyPr>
-          <a:lstStyle/>
-          <a:p>
-            <a:r>
-              <a:rPr lang="en-US" altLang="zh-CN" sz="1200" dirty="0" err="1"/>
-              <a:t>srcPk</a:t>
-            </a:r>
-            <a:r>
-              <a:rPr lang="zh-CN" altLang="en-US" sz="1200" dirty="0"/>
-              <a:t>超时未提交</a:t>
-            </a:r>
-            <a:r>
-              <a:rPr lang="en-US" altLang="zh-CN" sz="1200" dirty="0" err="1"/>
-              <a:t>encSij</a:t>
-            </a:r>
-            <a:endParaRPr lang="en-US" altLang="zh-CN" sz="1200" dirty="0"/>
-          </a:p>
-          <a:p>
+              <a:t>OK</a:t>
+            </a:r>
             <a:endParaRPr lang="zh-CN" altLang="en-US" sz="1200" dirty="0"/>
-          </a:p>
-        </p:txBody>
-      </p:sp>
-      <p:sp>
-        <p:nvSpPr>
-          <p:cNvPr id="28" name="文本框 27">
-            <a:extLst>
-              <a:ext uri="{FF2B5EF4-FFF2-40B4-BE49-F238E27FC236}">
-                <a16:creationId xmlns:a16="http://schemas.microsoft.com/office/drawing/2014/main" id="{5CFE3CF5-912D-4876-8513-417BC9BDF42B}"/>
-              </a:ext>
-            </a:extLst>
-          </p:cNvPr>
-          <p:cNvSpPr txBox="1"/>
-          <p:nvPr/>
-        </p:nvSpPr>
-        <p:spPr>
-          <a:xfrm>
-            <a:off x="1219767" y="6105608"/>
-            <a:ext cx="8464685" cy="369332"/>
-          </a:xfrm>
-          <a:prstGeom prst="rect">
-            <a:avLst/>
-          </a:prstGeom>
-          <a:noFill/>
-        </p:spPr>
-        <p:txBody>
-          <a:bodyPr wrap="square" rtlCol="0">
-            <a:spAutoFit/>
-          </a:bodyPr>
-          <a:lstStyle/>
-          <a:p>
-            <a:r>
-              <a:rPr lang="zh-CN" altLang="en-US" dirty="0"/>
-              <a:t>结论：建议评价为</a:t>
-            </a:r>
-            <a:r>
-              <a:rPr lang="en-US" altLang="zh-CN" dirty="0"/>
-              <a:t>Invalid</a:t>
-            </a:r>
-            <a:r>
-              <a:rPr lang="zh-CN" altLang="en-US" dirty="0"/>
-              <a:t>时直接发起挑战（相当于最大次数为</a:t>
-            </a:r>
-            <a:r>
-              <a:rPr lang="en-US" altLang="zh-CN" dirty="0"/>
-              <a:t>1</a:t>
-            </a:r>
-            <a:r>
-              <a:rPr lang="zh-CN" altLang="en-US" dirty="0"/>
-              <a:t>），没有必要重试。</a:t>
-            </a:r>
           </a:p>
         </p:txBody>
       </p:sp>
@@ -7255,56 +7046,6 @@
       </p:sp>
       <p:sp>
         <p:nvSpPr>
-          <p:cNvPr id="5" name="矩形: 圆角 4">
-            <a:extLst>
-              <a:ext uri="{FF2B5EF4-FFF2-40B4-BE49-F238E27FC236}">
-                <a16:creationId xmlns:a16="http://schemas.microsoft.com/office/drawing/2014/main" id="{79B2484A-E0CE-4D04-AFDE-3D2532572055}"/>
-              </a:ext>
-            </a:extLst>
-          </p:cNvPr>
-          <p:cNvSpPr/>
-          <p:nvPr/>
-        </p:nvSpPr>
-        <p:spPr>
-          <a:xfrm>
-            <a:off x="883920" y="3459480"/>
-            <a:ext cx="1242060" cy="441960"/>
-          </a:xfrm>
-          <a:prstGeom prst="roundRect">
-            <a:avLst/>
-          </a:prstGeom>
-        </p:spPr>
-        <p:style>
-          <a:lnRef idx="2">
-            <a:schemeClr val="accent1">
-              <a:shade val="50000"/>
-            </a:schemeClr>
-          </a:lnRef>
-          <a:fillRef idx="1">
-            <a:schemeClr val="accent1"/>
-          </a:fillRef>
-          <a:effectRef idx="0">
-            <a:schemeClr val="accent1"/>
-          </a:effectRef>
-          <a:fontRef idx="minor">
-            <a:schemeClr val="lt1"/>
-          </a:fontRef>
-        </p:style>
-        <p:txBody>
-          <a:bodyPr rtlCol="0" anchor="ctr"/>
-          <a:lstStyle/>
-          <a:p>
-            <a:pPr algn="ctr"/>
-            <a:r>
-              <a:rPr lang="en-US" altLang="zh-CN" dirty="0"/>
-              <a:t>Init</a:t>
-            </a:r>
-            <a:endParaRPr lang="zh-CN" altLang="en-US" dirty="0"/>
-          </a:p>
-        </p:txBody>
-      </p:sp>
-      <p:sp>
-        <p:nvSpPr>
           <p:cNvPr id="6" name="矩形: 圆角 5">
             <a:extLst>
               <a:ext uri="{FF2B5EF4-FFF2-40B4-BE49-F238E27FC236}">
@@ -7354,10 +7095,10 @@
       </p:sp>
       <p:sp>
         <p:nvSpPr>
-          <p:cNvPr id="7" name="矩形: 圆角 6">
-            <a:extLst>
-              <a:ext uri="{FF2B5EF4-FFF2-40B4-BE49-F238E27FC236}">
-                <a16:creationId xmlns:a16="http://schemas.microsoft.com/office/drawing/2014/main" id="{EF9EAFC1-9928-4B84-9FD5-FE0FD839ED9C}"/>
+          <p:cNvPr id="8" name="矩形: 圆角 7">
+            <a:extLst>
+              <a:ext uri="{FF2B5EF4-FFF2-40B4-BE49-F238E27FC236}">
+                <a16:creationId xmlns:a16="http://schemas.microsoft.com/office/drawing/2014/main" id="{408138D7-147A-4763-B86E-DCC72CCCE505}"/>
               </a:ext>
             </a:extLst>
           </p:cNvPr>
@@ -7366,7 +7107,7 @@
         </p:nvSpPr>
         <p:spPr>
           <a:xfrm>
-            <a:off x="5185410" y="3451860"/>
+            <a:off x="5187274" y="3467100"/>
             <a:ext cx="1242060" cy="441960"/>
           </a:xfrm>
           <a:prstGeom prst="roundRect">
@@ -7395,8 +7136,8 @@
           <a:p>
             <a:pPr algn="ctr"/>
             <a:r>
-              <a:rPr lang="en-US" altLang="zh-CN" dirty="0" err="1"/>
-              <a:t>Gpk</a:t>
+              <a:rPr lang="en-US" altLang="zh-CN" dirty="0"/>
+              <a:t>Negotiate</a:t>
             </a:r>
             <a:endParaRPr lang="en-US" altLang="zh-CN" sz="1400" dirty="0"/>
           </a:p>
@@ -7404,10 +7145,10 @@
       </p:sp>
       <p:sp>
         <p:nvSpPr>
-          <p:cNvPr id="8" name="矩形: 圆角 7">
-            <a:extLst>
-              <a:ext uri="{FF2B5EF4-FFF2-40B4-BE49-F238E27FC236}">
-                <a16:creationId xmlns:a16="http://schemas.microsoft.com/office/drawing/2014/main" id="{408138D7-147A-4763-B86E-DCC72CCCE505}"/>
+          <p:cNvPr id="9" name="矩形: 圆角 8">
+            <a:extLst>
+              <a:ext uri="{FF2B5EF4-FFF2-40B4-BE49-F238E27FC236}">
+                <a16:creationId xmlns:a16="http://schemas.microsoft.com/office/drawing/2014/main" id="{F64371E9-87DD-4AC6-AEC8-B0913C7B57F3}"/>
               </a:ext>
             </a:extLst>
           </p:cNvPr>
@@ -7416,57 +7157,7 @@
         </p:nvSpPr>
         <p:spPr>
           <a:xfrm>
-            <a:off x="7353300" y="3467100"/>
-            <a:ext cx="1242060" cy="441960"/>
-          </a:xfrm>
-          <a:prstGeom prst="roundRect">
-            <a:avLst/>
-          </a:prstGeom>
-        </p:spPr>
-        <p:style>
-          <a:lnRef idx="2">
-            <a:schemeClr val="accent1">
-              <a:shade val="50000"/>
-            </a:schemeClr>
-          </a:lnRef>
-          <a:fillRef idx="1">
-            <a:schemeClr val="accent1"/>
-          </a:fillRef>
-          <a:effectRef idx="0">
-            <a:schemeClr val="accent1"/>
-          </a:effectRef>
-          <a:fontRef idx="minor">
-            <a:schemeClr val="lt1"/>
-          </a:fontRef>
-        </p:style>
-        <p:txBody>
-          <a:bodyPr rtlCol="0" anchor="ctr"/>
-          <a:lstStyle/>
-          <a:p>
-            <a:pPr algn="ctr"/>
-            <a:r>
-              <a:rPr lang="en-US" altLang="zh-CN" dirty="0"/>
-              <a:t>Negotiate</a:t>
-            </a:r>
-            <a:endParaRPr lang="en-US" altLang="zh-CN" sz="1400" dirty="0"/>
-          </a:p>
-        </p:txBody>
-      </p:sp>
-      <p:sp>
-        <p:nvSpPr>
-          <p:cNvPr id="9" name="矩形: 圆角 8">
-            <a:extLst>
-              <a:ext uri="{FF2B5EF4-FFF2-40B4-BE49-F238E27FC236}">
-                <a16:creationId xmlns:a16="http://schemas.microsoft.com/office/drawing/2014/main" id="{F64371E9-87DD-4AC6-AEC8-B0913C7B57F3}"/>
-              </a:ext>
-            </a:extLst>
-          </p:cNvPr>
-          <p:cNvSpPr/>
-          <p:nvPr/>
-        </p:nvSpPr>
-        <p:spPr>
-          <a:xfrm>
-            <a:off x="9521190" y="3459480"/>
+            <a:off x="7355164" y="3459480"/>
             <a:ext cx="1242060" cy="441960"/>
           </a:xfrm>
           <a:prstGeom prst="roundRect">
@@ -7554,61 +7245,16 @@
       </p:sp>
       <p:cxnSp>
         <p:nvCxnSpPr>
-          <p:cNvPr id="11" name="连接符: 曲线 10">
-            <a:extLst>
-              <a:ext uri="{FF2B5EF4-FFF2-40B4-BE49-F238E27FC236}">
-                <a16:creationId xmlns:a16="http://schemas.microsoft.com/office/drawing/2014/main" id="{23A10D93-514A-4207-AFF2-A267F5365297}"/>
+          <p:cNvPr id="13" name="连接符: 曲线 12">
+            <a:extLst>
+              <a:ext uri="{FF2B5EF4-FFF2-40B4-BE49-F238E27FC236}">
+                <a16:creationId xmlns:a16="http://schemas.microsoft.com/office/drawing/2014/main" id="{432F21F8-C790-40C8-A49F-27562D76EFC8}"/>
               </a:ext>
             </a:extLst>
           </p:cNvPr>
           <p:cNvCxnSpPr>
-            <a:stCxn id="5" idx="3"/>
-            <a:endCxn id="6" idx="0"/>
-          </p:cNvCxnSpPr>
-          <p:nvPr/>
-        </p:nvCxnSpPr>
-        <p:spPr>
-          <a:xfrm flipV="1">
-            <a:off x="2125980" y="3467100"/>
-            <a:ext cx="1529715" cy="213360"/>
-          </a:xfrm>
-          <a:prstGeom prst="curvedConnector4">
-            <a:avLst>
-              <a:gd name="adj1" fmla="val 29701"/>
-              <a:gd name="adj2" fmla="val 210714"/>
-            </a:avLst>
-          </a:prstGeom>
-          <a:ln>
-            <a:tailEnd type="triangle"/>
-          </a:ln>
-        </p:spPr>
-        <p:style>
-          <a:lnRef idx="1">
-            <a:schemeClr val="accent1"/>
-          </a:lnRef>
-          <a:fillRef idx="0">
-            <a:schemeClr val="accent1"/>
-          </a:fillRef>
-          <a:effectRef idx="0">
-            <a:schemeClr val="accent1"/>
-          </a:effectRef>
-          <a:fontRef idx="minor">
-            <a:schemeClr val="tx1"/>
-          </a:fontRef>
-        </p:style>
-      </p:cxnSp>
-      <p:cxnSp>
-        <p:nvCxnSpPr>
-          <p:cNvPr id="13" name="连接符: 曲线 12">
-            <a:extLst>
-              <a:ext uri="{FF2B5EF4-FFF2-40B4-BE49-F238E27FC236}">
-                <a16:creationId xmlns:a16="http://schemas.microsoft.com/office/drawing/2014/main" id="{432F21F8-C790-40C8-A49F-27562D76EFC8}"/>
-              </a:ext>
-            </a:extLst>
-          </p:cNvPr>
-          <p:cNvCxnSpPr>
+            <a:cxnSpLocks/>
             <a:stCxn id="6" idx="3"/>
-            <a:endCxn id="7" idx="0"/>
           </p:cNvCxnSpPr>
           <p:nvPr/>
         </p:nvCxnSpPr>
@@ -7690,142 +7336,6 @@
       </p:cxnSp>
       <p:cxnSp>
         <p:nvCxnSpPr>
-          <p:cNvPr id="18" name="连接符: 曲线 17">
-            <a:extLst>
-              <a:ext uri="{FF2B5EF4-FFF2-40B4-BE49-F238E27FC236}">
-                <a16:creationId xmlns:a16="http://schemas.microsoft.com/office/drawing/2014/main" id="{2A821C9A-0E9F-4252-8014-2DCF4271D529}"/>
-              </a:ext>
-            </a:extLst>
-          </p:cNvPr>
-          <p:cNvCxnSpPr>
-            <a:cxnSpLocks/>
-            <a:stCxn id="10" idx="2"/>
-            <a:endCxn id="5" idx="2"/>
-          </p:cNvCxnSpPr>
-          <p:nvPr/>
-        </p:nvCxnSpPr>
-        <p:spPr>
-          <a:xfrm rot="5400000" flipH="1">
-            <a:off x="1649105" y="3757286"/>
-            <a:ext cx="1862436" cy="2150745"/>
-          </a:xfrm>
-          <a:prstGeom prst="curvedConnector3">
-            <a:avLst>
-              <a:gd name="adj1" fmla="val -12274"/>
-            </a:avLst>
-          </a:prstGeom>
-          <a:ln>
-            <a:prstDash val="dash"/>
-            <a:tailEnd type="triangle"/>
-          </a:ln>
-        </p:spPr>
-        <p:style>
-          <a:lnRef idx="1">
-            <a:schemeClr val="accent1"/>
-          </a:lnRef>
-          <a:fillRef idx="0">
-            <a:schemeClr val="accent1"/>
-          </a:fillRef>
-          <a:effectRef idx="0">
-            <a:schemeClr val="accent1"/>
-          </a:effectRef>
-          <a:fontRef idx="minor">
-            <a:schemeClr val="tx1"/>
-          </a:fontRef>
-        </p:style>
-      </p:cxnSp>
-      <p:cxnSp>
-        <p:nvCxnSpPr>
-          <p:cNvPr id="19" name="连接符: 曲线 18">
-            <a:extLst>
-              <a:ext uri="{FF2B5EF4-FFF2-40B4-BE49-F238E27FC236}">
-                <a16:creationId xmlns:a16="http://schemas.microsoft.com/office/drawing/2014/main" id="{96C74D88-286A-4D6F-968D-3BE71E19A7D3}"/>
-              </a:ext>
-            </a:extLst>
-          </p:cNvPr>
-          <p:cNvCxnSpPr>
-            <a:stCxn id="7" idx="3"/>
-            <a:endCxn id="8" idx="0"/>
-          </p:cNvCxnSpPr>
-          <p:nvPr/>
-        </p:nvCxnSpPr>
-        <p:spPr>
-          <a:xfrm flipV="1">
-            <a:off x="6427470" y="3467100"/>
-            <a:ext cx="1546860" cy="205740"/>
-          </a:xfrm>
-          <a:prstGeom prst="curvedConnector4">
-            <a:avLst>
-              <a:gd name="adj1" fmla="val 29926"/>
-              <a:gd name="adj2" fmla="val 218519"/>
-            </a:avLst>
-          </a:prstGeom>
-          <a:ln>
-            <a:tailEnd type="triangle"/>
-          </a:ln>
-        </p:spPr>
-        <p:style>
-          <a:lnRef idx="1">
-            <a:schemeClr val="accent1"/>
-          </a:lnRef>
-          <a:fillRef idx="0">
-            <a:schemeClr val="accent1"/>
-          </a:fillRef>
-          <a:effectRef idx="0">
-            <a:schemeClr val="accent1"/>
-          </a:effectRef>
-          <a:fontRef idx="minor">
-            <a:schemeClr val="tx1"/>
-          </a:fontRef>
-        </p:style>
-      </p:cxnSp>
-      <p:cxnSp>
-        <p:nvCxnSpPr>
-          <p:cNvPr id="22" name="连接符: 曲线 21">
-            <a:extLst>
-              <a:ext uri="{FF2B5EF4-FFF2-40B4-BE49-F238E27FC236}">
-                <a16:creationId xmlns:a16="http://schemas.microsoft.com/office/drawing/2014/main" id="{DEAAFC95-B823-4FD4-A8F5-3B191DCD8B77}"/>
-              </a:ext>
-            </a:extLst>
-          </p:cNvPr>
-          <p:cNvCxnSpPr>
-            <a:stCxn id="7" idx="3"/>
-            <a:endCxn id="10" idx="0"/>
-          </p:cNvCxnSpPr>
-          <p:nvPr/>
-        </p:nvCxnSpPr>
-        <p:spPr>
-          <a:xfrm flipH="1">
-            <a:off x="3655695" y="3672840"/>
-            <a:ext cx="2771775" cy="1649076"/>
-          </a:xfrm>
-          <a:prstGeom prst="curvedConnector4">
-            <a:avLst>
-              <a:gd name="adj1" fmla="val -8247"/>
-              <a:gd name="adj2" fmla="val 56700"/>
-            </a:avLst>
-          </a:prstGeom>
-          <a:ln>
-            <a:tailEnd type="triangle"/>
-          </a:ln>
-        </p:spPr>
-        <p:style>
-          <a:lnRef idx="1">
-            <a:schemeClr val="accent1"/>
-          </a:lnRef>
-          <a:fillRef idx="0">
-            <a:schemeClr val="accent1"/>
-          </a:fillRef>
-          <a:effectRef idx="0">
-            <a:schemeClr val="accent1"/>
-          </a:effectRef>
-          <a:fontRef idx="minor">
-            <a:schemeClr val="tx1"/>
-          </a:fontRef>
-        </p:style>
-      </p:cxnSp>
-      <p:cxnSp>
-        <p:nvCxnSpPr>
           <p:cNvPr id="24" name="连接符: 曲线 23">
             <a:extLst>
               <a:ext uri="{FF2B5EF4-FFF2-40B4-BE49-F238E27FC236}">
@@ -7841,7 +7351,7 @@
         </p:nvCxnSpPr>
         <p:spPr>
           <a:xfrm flipV="1">
-            <a:off x="8595360" y="3459480"/>
+            <a:off x="6429334" y="3459480"/>
             <a:ext cx="1546860" cy="228600"/>
           </a:xfrm>
           <a:prstGeom prst="curvedConnector4">
@@ -7887,8 +7397,8 @@
         </p:nvCxnSpPr>
         <p:spPr>
           <a:xfrm rot="5400000">
-            <a:off x="5308610" y="2877176"/>
-            <a:ext cx="1633836" cy="3697605"/>
+            <a:off x="4225597" y="3960189"/>
+            <a:ext cx="1633836" cy="1531579"/>
           </a:xfrm>
           <a:prstGeom prst="curvedConnector2">
             <a:avLst/>
@@ -7914,10 +7424,10 @@
       </p:cxnSp>
       <p:sp>
         <p:nvSpPr>
-          <p:cNvPr id="3" name="矩形 2">
-            <a:extLst>
-              <a:ext uri="{FF2B5EF4-FFF2-40B4-BE49-F238E27FC236}">
-                <a16:creationId xmlns:a16="http://schemas.microsoft.com/office/drawing/2014/main" id="{079CCF98-E75D-404F-A671-4E9C42199C53}"/>
+          <p:cNvPr id="4" name="矩形 3">
+            <a:extLst>
+              <a:ext uri="{FF2B5EF4-FFF2-40B4-BE49-F238E27FC236}">
+                <a16:creationId xmlns:a16="http://schemas.microsoft.com/office/drawing/2014/main" id="{F8033B4B-0D37-402D-A70B-055351718CD6}"/>
               </a:ext>
             </a:extLst>
           </p:cNvPr>
@@ -7926,8 +7436,8 @@
         </p:nvSpPr>
         <p:spPr>
           <a:xfrm>
-            <a:off x="1099777" y="2350056"/>
-            <a:ext cx="1678665" cy="369332"/>
+            <a:off x="2832472" y="1752848"/>
+            <a:ext cx="2215671" cy="646331"/>
           </a:xfrm>
           <a:prstGeom prst="rect">
             <a:avLst/>
@@ -7947,35 +7457,12 @@
               </a:rPr>
               <a:t>setPolyCommit</a:t>
             </a:r>
-          </a:p>
-        </p:txBody>
-      </p:sp>
-      <p:sp>
-        <p:nvSpPr>
-          <p:cNvPr id="4" name="矩形 3">
-            <a:extLst>
-              <a:ext uri="{FF2B5EF4-FFF2-40B4-BE49-F238E27FC236}">
-                <a16:creationId xmlns:a16="http://schemas.microsoft.com/office/drawing/2014/main" id="{F8033B4B-0D37-402D-A70B-055351718CD6}"/>
-              </a:ext>
-            </a:extLst>
-          </p:cNvPr>
-          <p:cNvSpPr/>
-          <p:nvPr/>
-        </p:nvSpPr>
-        <p:spPr>
-          <a:xfrm>
-            <a:off x="2890837" y="1869578"/>
-            <a:ext cx="2215671" cy="369332"/>
-          </a:xfrm>
-          <a:prstGeom prst="rect">
-            <a:avLst/>
-          </a:prstGeom>
-        </p:spPr>
-        <p:txBody>
-          <a:bodyPr wrap="none">
-            <a:spAutoFit/>
-          </a:bodyPr>
-          <a:lstStyle/>
+            <a:endParaRPr lang="en-US" altLang="zh-CN" u="sng" dirty="0">
+              <a:solidFill>
+                <a:srgbClr val="FF0000"/>
+              </a:solidFill>
+            </a:endParaRPr>
+          </a:p>
           <a:p>
             <a:r>
               <a:rPr lang="zh-CN" altLang="en-US" u="sng" dirty="0">
@@ -7990,10 +7477,10 @@
       </p:sp>
       <p:sp>
         <p:nvSpPr>
-          <p:cNvPr id="29" name="矩形 28">
-            <a:extLst>
-              <a:ext uri="{FF2B5EF4-FFF2-40B4-BE49-F238E27FC236}">
-                <a16:creationId xmlns:a16="http://schemas.microsoft.com/office/drawing/2014/main" id="{ACAD8540-79DA-4D11-B229-CE3B86301FD7}"/>
+          <p:cNvPr id="31" name="矩形 30">
+            <a:extLst>
+              <a:ext uri="{FF2B5EF4-FFF2-40B4-BE49-F238E27FC236}">
+                <a16:creationId xmlns:a16="http://schemas.microsoft.com/office/drawing/2014/main" id="{F92629FB-E68E-430E-AE44-AEE408BCAD7C}"/>
               </a:ext>
             </a:extLst>
           </p:cNvPr>
@@ -8002,83 +7489,7 @@
         </p:nvSpPr>
         <p:spPr>
           <a:xfrm>
-            <a:off x="5041582" y="2355888"/>
-            <a:ext cx="869149" cy="369332"/>
-          </a:xfrm>
-          <a:prstGeom prst="rect">
-            <a:avLst/>
-          </a:prstGeom>
-        </p:spPr>
-        <p:txBody>
-          <a:bodyPr wrap="none">
-            <a:spAutoFit/>
-          </a:bodyPr>
-          <a:lstStyle/>
-          <a:p>
-            <a:r>
-              <a:rPr lang="zh-CN" altLang="en-US" u="sng" dirty="0">
-                <a:solidFill>
-                  <a:srgbClr val="00B050"/>
-                </a:solidFill>
-              </a:rPr>
-              <a:t>setGpk</a:t>
-            </a:r>
-          </a:p>
-        </p:txBody>
-      </p:sp>
-      <p:sp>
-        <p:nvSpPr>
-          <p:cNvPr id="30" name="矩形 29">
-            <a:extLst>
-              <a:ext uri="{FF2B5EF4-FFF2-40B4-BE49-F238E27FC236}">
-                <a16:creationId xmlns:a16="http://schemas.microsoft.com/office/drawing/2014/main" id="{0ED5ED14-4FD3-4433-9DF7-308D499DD62A}"/>
-              </a:ext>
-            </a:extLst>
-          </p:cNvPr>
-          <p:cNvSpPr/>
-          <p:nvPr/>
-        </p:nvSpPr>
-        <p:spPr>
-          <a:xfrm>
-            <a:off x="6207450" y="1869578"/>
-            <a:ext cx="1377300" cy="369332"/>
-          </a:xfrm>
-          <a:prstGeom prst="rect">
-            <a:avLst/>
-          </a:prstGeom>
-        </p:spPr>
-        <p:txBody>
-          <a:bodyPr wrap="none">
-            <a:spAutoFit/>
-          </a:bodyPr>
-          <a:lstStyle/>
-          <a:p>
-            <a:r>
-              <a:rPr lang="zh-CN" altLang="en-US" u="sng" dirty="0">
-                <a:solidFill>
-                  <a:srgbClr val="FF0000"/>
-                </a:solidFill>
-              </a:rPr>
-              <a:t>gpkTimeout</a:t>
-            </a:r>
-          </a:p>
-        </p:txBody>
-      </p:sp>
-      <p:sp>
-        <p:nvSpPr>
-          <p:cNvPr id="31" name="矩形 30">
-            <a:extLst>
-              <a:ext uri="{FF2B5EF4-FFF2-40B4-BE49-F238E27FC236}">
-                <a16:creationId xmlns:a16="http://schemas.microsoft.com/office/drawing/2014/main" id="{F92629FB-E68E-430E-AE44-AEE408BCAD7C}"/>
-              </a:ext>
-            </a:extLst>
-          </p:cNvPr>
-          <p:cNvSpPr/>
-          <p:nvPr/>
-        </p:nvSpPr>
-        <p:spPr>
-          <a:xfrm>
-            <a:off x="8319091" y="787842"/>
+            <a:off x="6153065" y="1034273"/>
             <a:ext cx="1039067" cy="369332"/>
           </a:xfrm>
           <a:prstGeom prst="rect">
@@ -8116,7 +7527,7 @@
         </p:nvSpPr>
         <p:spPr>
           <a:xfrm>
-            <a:off x="8311411" y="1085202"/>
+            <a:off x="6145385" y="1331633"/>
             <a:ext cx="1675459" cy="369332"/>
           </a:xfrm>
           <a:prstGeom prst="rect">
@@ -8154,7 +7565,7 @@
         </p:nvSpPr>
         <p:spPr>
           <a:xfrm>
-            <a:off x="8660696" y="1909059"/>
+            <a:off x="6494670" y="1909059"/>
             <a:ext cx="1572866" cy="369332"/>
           </a:xfrm>
           <a:prstGeom prst="rect">
@@ -8180,10 +7591,10 @@
       </p:sp>
       <p:sp>
         <p:nvSpPr>
-          <p:cNvPr id="44" name="矩形 43">
-            <a:extLst>
-              <a:ext uri="{FF2B5EF4-FFF2-40B4-BE49-F238E27FC236}">
-                <a16:creationId xmlns:a16="http://schemas.microsoft.com/office/drawing/2014/main" id="{21FB9B66-EAD4-4D4E-87EA-59A65E480C16}"/>
+          <p:cNvPr id="45" name="矩形 44">
+            <a:extLst>
+              <a:ext uri="{FF2B5EF4-FFF2-40B4-BE49-F238E27FC236}">
+                <a16:creationId xmlns:a16="http://schemas.microsoft.com/office/drawing/2014/main" id="{44E2B9B5-988F-410D-8CF4-23E7C6FECD81}"/>
               </a:ext>
             </a:extLst>
           </p:cNvPr>
@@ -8192,45 +7603,7 @@
         </p:nvSpPr>
         <p:spPr>
           <a:xfrm>
-            <a:off x="8311411" y="1477871"/>
-            <a:ext cx="1351652" cy="369332"/>
-          </a:xfrm>
-          <a:prstGeom prst="rect">
-            <a:avLst/>
-          </a:prstGeom>
-        </p:spPr>
-        <p:txBody>
-          <a:bodyPr wrap="none">
-            <a:spAutoFit/>
-          </a:bodyPr>
-          <a:lstStyle/>
-          <a:p>
-            <a:r>
-              <a:rPr lang="zh-CN" altLang="en-US" u="sng" dirty="0">
-                <a:solidFill>
-                  <a:srgbClr val="FFC000"/>
-                </a:solidFill>
-              </a:rPr>
-              <a:t>challengeSij</a:t>
-            </a:r>
-          </a:p>
-        </p:txBody>
-      </p:sp>
-      <p:sp>
-        <p:nvSpPr>
-          <p:cNvPr id="45" name="矩形 44">
-            <a:extLst>
-              <a:ext uri="{FF2B5EF4-FFF2-40B4-BE49-F238E27FC236}">
-                <a16:creationId xmlns:a16="http://schemas.microsoft.com/office/drawing/2014/main" id="{44E2B9B5-988F-410D-8CF4-23E7C6FECD81}"/>
-              </a:ext>
-            </a:extLst>
-          </p:cNvPr>
-          <p:cNvSpPr/>
-          <p:nvPr/>
-        </p:nvSpPr>
-        <p:spPr>
-          <a:xfrm>
-            <a:off x="8660696" y="2170218"/>
+            <a:off x="6494670" y="2170218"/>
             <a:ext cx="995785" cy="369332"/>
           </a:xfrm>
           <a:prstGeom prst="rect">
@@ -8268,8 +7641,8 @@
         </p:nvSpPr>
         <p:spPr>
           <a:xfrm>
-            <a:off x="8660696" y="2438997"/>
-            <a:ext cx="2132315" cy="369332"/>
+            <a:off x="6494670" y="2438997"/>
+            <a:ext cx="1786066" cy="369332"/>
           </a:xfrm>
           <a:prstGeom prst="rect">
             <a:avLst/>
@@ -8287,7 +7660,7 @@
                   <a:srgbClr val="FF0000"/>
                 </a:solidFill>
               </a:rPr>
-              <a:t>checkEncSijTimeout</a:t>
+              <a:t>checkSijTimeout</a:t>
             </a:r>
           </a:p>
         </p:txBody>
@@ -8306,7 +7679,7 @@
         </p:nvSpPr>
         <p:spPr>
           <a:xfrm>
-            <a:off x="8660696" y="2730343"/>
+            <a:off x="6494670" y="2730343"/>
             <a:ext cx="1223412" cy="369332"/>
           </a:xfrm>
           <a:prstGeom prst="rect">
@@ -8344,7 +7717,7 @@
         </p:nvSpPr>
         <p:spPr>
           <a:xfrm>
-            <a:off x="8052920" y="4222836"/>
+            <a:off x="5886894" y="4222836"/>
             <a:ext cx="1135247" cy="369332"/>
           </a:xfrm>
           <a:prstGeom prst="rect">
@@ -8373,91 +7746,6 @@
           </a:p>
         </p:txBody>
       </p:sp>
-      <p:cxnSp>
-        <p:nvCxnSpPr>
-          <p:cNvPr id="50" name="连接符: 曲线 49">
-            <a:extLst>
-              <a:ext uri="{FF2B5EF4-FFF2-40B4-BE49-F238E27FC236}">
-                <a16:creationId xmlns:a16="http://schemas.microsoft.com/office/drawing/2014/main" id="{EDDB6800-4205-4AAC-9094-B2EFB528074F}"/>
-              </a:ext>
-            </a:extLst>
-          </p:cNvPr>
-          <p:cNvCxnSpPr>
-            <a:cxnSpLocks/>
-            <a:stCxn id="3" idx="2"/>
-            <a:endCxn id="5" idx="0"/>
-          </p:cNvCxnSpPr>
-          <p:nvPr/>
-        </p:nvCxnSpPr>
-        <p:spPr>
-          <a:xfrm rot="5400000">
-            <a:off x="1351984" y="2872354"/>
-            <a:ext cx="740092" cy="434160"/>
-          </a:xfrm>
-          <a:prstGeom prst="curvedConnector3">
-            <a:avLst/>
-          </a:prstGeom>
-          <a:ln>
-            <a:tailEnd type="triangle"/>
-          </a:ln>
-        </p:spPr>
-        <p:style>
-          <a:lnRef idx="1">
-            <a:schemeClr val="accent6"/>
-          </a:lnRef>
-          <a:fillRef idx="0">
-            <a:schemeClr val="accent6"/>
-          </a:fillRef>
-          <a:effectRef idx="0">
-            <a:schemeClr val="accent6"/>
-          </a:effectRef>
-          <a:fontRef idx="minor">
-            <a:schemeClr val="tx1"/>
-          </a:fontRef>
-        </p:style>
-      </p:cxnSp>
-      <p:cxnSp>
-        <p:nvCxnSpPr>
-          <p:cNvPr id="53" name="连接符: 曲线 52">
-            <a:extLst>
-              <a:ext uri="{FF2B5EF4-FFF2-40B4-BE49-F238E27FC236}">
-                <a16:creationId xmlns:a16="http://schemas.microsoft.com/office/drawing/2014/main" id="{28C9A7C1-7122-4766-819A-E278C8C0344A}"/>
-              </a:ext>
-            </a:extLst>
-          </p:cNvPr>
-          <p:cNvCxnSpPr>
-            <a:stCxn id="3" idx="2"/>
-            <a:endCxn id="6" idx="0"/>
-          </p:cNvCxnSpPr>
-          <p:nvPr/>
-        </p:nvCxnSpPr>
-        <p:spPr>
-          <a:xfrm rot="16200000" flipH="1">
-            <a:off x="2423546" y="2234951"/>
-            <a:ext cx="747712" cy="1716585"/>
-          </a:xfrm>
-          <a:prstGeom prst="curvedConnector3">
-            <a:avLst/>
-          </a:prstGeom>
-          <a:ln>
-            <a:tailEnd type="triangle"/>
-          </a:ln>
-        </p:spPr>
-        <p:style>
-          <a:lnRef idx="1">
-            <a:schemeClr val="accent6"/>
-          </a:lnRef>
-          <a:fillRef idx="0">
-            <a:schemeClr val="accent6"/>
-          </a:fillRef>
-          <a:effectRef idx="0">
-            <a:schemeClr val="accent6"/>
-          </a:effectRef>
-          <a:fontRef idx="minor">
-            <a:schemeClr val="tx1"/>
-          </a:fontRef>
-        </p:style>
-      </p:cxnSp>
       <p:cxnSp>
         <p:nvCxnSpPr>
           <p:cNvPr id="55" name="连接符: 曲线 54">
@@ -8474,12 +7762,12 @@
         </p:nvCxnSpPr>
         <p:spPr>
           <a:xfrm rot="5400000">
-            <a:off x="2539776" y="3082415"/>
-            <a:ext cx="2302402" cy="615393"/>
+            <a:off x="2619912" y="3104185"/>
+            <a:ext cx="2025403" cy="615391"/>
           </a:xfrm>
           <a:prstGeom prst="curvedConnector3">
             <a:avLst>
-              <a:gd name="adj1" fmla="val 107256"/>
+              <a:gd name="adj1" fmla="val 50000"/>
             </a:avLst>
           </a:prstGeom>
           <a:ln>
@@ -8506,24 +7794,23 @@
       </p:cxnSp>
       <p:cxnSp>
         <p:nvCxnSpPr>
-          <p:cNvPr id="60" name="连接符: 曲线 59">
-            <a:extLst>
-              <a:ext uri="{FF2B5EF4-FFF2-40B4-BE49-F238E27FC236}">
-                <a16:creationId xmlns:a16="http://schemas.microsoft.com/office/drawing/2014/main" id="{CE953EB6-B3CB-408A-9784-74B6F202A619}"/>
+          <p:cNvPr id="72" name="连接符: 曲线 71">
+            <a:extLst>
+              <a:ext uri="{FF2B5EF4-FFF2-40B4-BE49-F238E27FC236}">
+                <a16:creationId xmlns:a16="http://schemas.microsoft.com/office/drawing/2014/main" id="{4E125106-3033-4DF2-966B-0384D18755B5}"/>
               </a:ext>
             </a:extLst>
           </p:cNvPr>
           <p:cNvCxnSpPr>
             <a:cxnSpLocks/>
-            <a:stCxn id="29" idx="2"/>
-            <a:endCxn id="7" idx="0"/>
+            <a:endCxn id="8" idx="0"/>
           </p:cNvCxnSpPr>
           <p:nvPr/>
         </p:nvCxnSpPr>
         <p:spPr>
-          <a:xfrm rot="16200000" flipH="1">
-            <a:off x="5277978" y="2923398"/>
-            <a:ext cx="726640" cy="330283"/>
+          <a:xfrm rot="5400000">
+            <a:off x="4907848" y="2232092"/>
+            <a:ext cx="2135465" cy="334551"/>
           </a:xfrm>
           <a:prstGeom prst="curvedConnector3">
             <a:avLst/>
@@ -8552,95 +7839,6 @@
       </p:cxnSp>
       <p:cxnSp>
         <p:nvCxnSpPr>
-          <p:cNvPr id="63" name="连接符: 曲线 62">
-            <a:extLst>
-              <a:ext uri="{FF2B5EF4-FFF2-40B4-BE49-F238E27FC236}">
-                <a16:creationId xmlns:a16="http://schemas.microsoft.com/office/drawing/2014/main" id="{14E46840-C49A-4E15-AAA5-19087CDB1D09}"/>
-              </a:ext>
-            </a:extLst>
-          </p:cNvPr>
-          <p:cNvCxnSpPr>
-            <a:stCxn id="30" idx="2"/>
-          </p:cNvCxnSpPr>
-          <p:nvPr/>
-        </p:nvCxnSpPr>
-        <p:spPr>
-          <a:xfrm rot="5400000">
-            <a:off x="5291509" y="2936721"/>
-            <a:ext cx="2302402" cy="906780"/>
-          </a:xfrm>
-          <a:prstGeom prst="curvedConnector3">
-            <a:avLst/>
-          </a:prstGeom>
-          <a:ln>
-            <a:solidFill>
-              <a:srgbClr val="FF0000"/>
-            </a:solidFill>
-            <a:tailEnd type="triangle"/>
-          </a:ln>
-        </p:spPr>
-        <p:style>
-          <a:lnRef idx="1">
-            <a:schemeClr val="accent1"/>
-          </a:lnRef>
-          <a:fillRef idx="0">
-            <a:schemeClr val="accent1"/>
-          </a:fillRef>
-          <a:effectRef idx="0">
-            <a:schemeClr val="accent1"/>
-          </a:effectRef>
-          <a:fontRef idx="minor">
-            <a:schemeClr val="tx1"/>
-          </a:fontRef>
-        </p:style>
-      </p:cxnSp>
-      <p:cxnSp>
-        <p:nvCxnSpPr>
-          <p:cNvPr id="72" name="连接符: 曲线 71">
-            <a:extLst>
-              <a:ext uri="{FF2B5EF4-FFF2-40B4-BE49-F238E27FC236}">
-                <a16:creationId xmlns:a16="http://schemas.microsoft.com/office/drawing/2014/main" id="{4E125106-3033-4DF2-966B-0384D18755B5}"/>
-              </a:ext>
-            </a:extLst>
-          </p:cNvPr>
-          <p:cNvCxnSpPr>
-            <a:cxnSpLocks/>
-            <a:endCxn id="8" idx="0"/>
-          </p:cNvCxnSpPr>
-          <p:nvPr/>
-        </p:nvCxnSpPr>
-        <p:spPr>
-          <a:xfrm rot="5400000">
-            <a:off x="6955762" y="2103771"/>
-            <a:ext cx="2381898" cy="344761"/>
-          </a:xfrm>
-          <a:prstGeom prst="curvedConnector3">
-            <a:avLst/>
-          </a:prstGeom>
-          <a:ln>
-            <a:solidFill>
-              <a:srgbClr val="00B050"/>
-            </a:solidFill>
-            <a:tailEnd type="triangle"/>
-          </a:ln>
-        </p:spPr>
-        <p:style>
-          <a:lnRef idx="1">
-            <a:schemeClr val="accent1"/>
-          </a:lnRef>
-          <a:fillRef idx="0">
-            <a:schemeClr val="accent1"/>
-          </a:fillRef>
-          <a:effectRef idx="0">
-            <a:schemeClr val="accent1"/>
-          </a:effectRef>
-          <a:fontRef idx="minor">
-            <a:schemeClr val="tx1"/>
-          </a:fontRef>
-        </p:style>
-      </p:cxnSp>
-      <p:cxnSp>
-        <p:nvCxnSpPr>
           <p:cNvPr id="74" name="连接符: 曲线 73">
             <a:extLst>
               <a:ext uri="{FF2B5EF4-FFF2-40B4-BE49-F238E27FC236}">
@@ -8655,7 +7853,7 @@
         </p:nvCxnSpPr>
         <p:spPr>
           <a:xfrm rot="5400000">
-            <a:off x="7046193" y="2866057"/>
+            <a:off x="4880167" y="2866057"/>
             <a:ext cx="2241650" cy="987356"/>
           </a:xfrm>
           <a:prstGeom prst="curvedConnector3">
@@ -8702,7 +7900,7 @@
         </p:nvCxnSpPr>
         <p:spPr>
           <a:xfrm rot="5400000">
-            <a:off x="7178784" y="3777834"/>
+            <a:off x="5012758" y="3777834"/>
             <a:ext cx="627426" cy="2256094"/>
           </a:xfrm>
           <a:prstGeom prst="curvedConnector2">
@@ -8744,8 +7942,8 @@
         </p:nvSpPr>
         <p:spPr>
           <a:xfrm>
-            <a:off x="8252382" y="5221827"/>
-            <a:ext cx="3322397" cy="369332"/>
+            <a:off x="6086356" y="5221827"/>
+            <a:ext cx="4575159" cy="369332"/>
           </a:xfrm>
           <a:prstGeom prst="rect">
             <a:avLst/>
@@ -8803,23 +8001,7 @@
                   <a:srgbClr val="00B050"/>
                 </a:solidFill>
               </a:rPr>
-              <a:t>, bytes </a:t>
-            </a:r>
-            <a:r>
-              <a:rPr lang="en-US" altLang="zh-CN" u="sng" dirty="0" err="1">
-                <a:solidFill>
-                  <a:srgbClr val="00B050"/>
-                </a:solidFill>
-              </a:rPr>
-              <a:t>gpk</a:t>
-            </a:r>
-            <a:r>
-              <a:rPr lang="en-US" altLang="zh-CN" u="sng" dirty="0">
-                <a:solidFill>
-                  <a:srgbClr val="00B050"/>
-                </a:solidFill>
-              </a:rPr>
-              <a:t>)</a:t>
+              <a:t>, bytes gpk1, bytes gpk2)</a:t>
             </a:r>
             <a:endParaRPr lang="zh-CN" altLang="en-US" u="sng" dirty="0">
               <a:solidFill>
@@ -8846,9 +8028,9 @@
           <p:nvPr/>
         </p:nvCxnSpPr>
         <p:spPr>
-          <a:xfrm rot="5400000">
-            <a:off x="9367708" y="4447314"/>
-            <a:ext cx="1320387" cy="228639"/>
+          <a:xfrm rot="16200000" flipH="1">
+            <a:off x="7514872" y="4362762"/>
+            <a:ext cx="1320387" cy="397742"/>
           </a:xfrm>
           <a:prstGeom prst="curvedConnector3">
             <a:avLst/>
@@ -8890,7 +8072,7 @@
         <p:spPr>
           <a:xfrm>
             <a:off x="5092942" y="5944142"/>
-            <a:ext cx="5445518" cy="369332"/>
+            <a:ext cx="6411638" cy="369332"/>
           </a:xfrm>
           <a:prstGeom prst="rect">
             <a:avLst/>
@@ -8980,7 +8162,23 @@
                   <a:srgbClr val="FF0000"/>
                 </a:solidFill>
               </a:rPr>
-              <a:t>, bytes[] pk)</a:t>
+              <a:t>, address[] </a:t>
+            </a:r>
+            <a:r>
+              <a:rPr lang="en-US" altLang="zh-CN" u="sng" dirty="0" err="1">
+                <a:solidFill>
+                  <a:srgbClr val="FF0000"/>
+                </a:solidFill>
+              </a:rPr>
+              <a:t>txAddress</a:t>
+            </a:r>
+            <a:r>
+              <a:rPr lang="en-US" altLang="zh-CN" u="sng" dirty="0">
+                <a:solidFill>
+                  <a:srgbClr val="FF0000"/>
+                </a:solidFill>
+              </a:rPr>
+              <a:t>)</a:t>
             </a:r>
             <a:endParaRPr lang="zh-CN" altLang="en-US" u="sng" dirty="0">
               <a:solidFill>
@@ -9018,6 +8216,52 @@
             <a:solidFill>
               <a:srgbClr val="FF0000"/>
             </a:solidFill>
+            <a:tailEnd type="triangle"/>
+          </a:ln>
+        </p:spPr>
+        <p:style>
+          <a:lnRef idx="1">
+            <a:schemeClr val="accent1"/>
+          </a:lnRef>
+          <a:fillRef idx="0">
+            <a:schemeClr val="accent1"/>
+          </a:fillRef>
+          <a:effectRef idx="0">
+            <a:schemeClr val="accent1"/>
+          </a:effectRef>
+          <a:fontRef idx="minor">
+            <a:schemeClr val="tx1"/>
+          </a:fontRef>
+        </p:style>
+      </p:cxnSp>
+      <p:cxnSp>
+        <p:nvCxnSpPr>
+          <p:cNvPr id="49" name="连接符: 曲线 48">
+            <a:extLst>
+              <a:ext uri="{FF2B5EF4-FFF2-40B4-BE49-F238E27FC236}">
+                <a16:creationId xmlns:a16="http://schemas.microsoft.com/office/drawing/2014/main" id="{B21BCF67-F78C-456D-BB0F-5950C9BC42D8}"/>
+              </a:ext>
+            </a:extLst>
+          </p:cNvPr>
+          <p:cNvCxnSpPr>
+            <a:cxnSpLocks/>
+            <a:stCxn id="10" idx="1"/>
+            <a:endCxn id="6" idx="1"/>
+          </p:cNvCxnSpPr>
+          <p:nvPr/>
+        </p:nvCxnSpPr>
+        <p:spPr>
+          <a:xfrm rot="10800000">
+            <a:off x="3034665" y="3688080"/>
+            <a:ext cx="12700" cy="1854816"/>
+          </a:xfrm>
+          <a:prstGeom prst="curvedConnector3">
+            <a:avLst>
+              <a:gd name="adj1" fmla="val 8744677"/>
+            </a:avLst>
+          </a:prstGeom>
+          <a:ln>
+            <a:prstDash val="dash"/>
             <a:tailEnd type="triangle"/>
           </a:ln>
         </p:spPr>
@@ -9965,4 +9209,299 @@
     </a:ext>
   </a:extLst>
 </a:theme>
+</file>
+
+<file path=ppt/theme/theme2.xml><?xml version="1.0" encoding="utf-8"?>
+<a:theme xmlns:a="http://schemas.openxmlformats.org/drawingml/2006/main" name="Office 主题​​">
+  <a:themeElements>
+    <a:clrScheme name="Office">
+      <a:dk1>
+        <a:sysClr val="windowText" lastClr="000000"/>
+      </a:dk1>
+      <a:lt1>
+        <a:sysClr val="window" lastClr="FFFFFF"/>
+      </a:lt1>
+      <a:dk2>
+        <a:srgbClr val="44546A"/>
+      </a:dk2>
+      <a:lt2>
+        <a:srgbClr val="E7E6E6"/>
+      </a:lt2>
+      <a:accent1>
+        <a:srgbClr val="4472C4"/>
+      </a:accent1>
+      <a:accent2>
+        <a:srgbClr val="ED7D31"/>
+      </a:accent2>
+      <a:accent3>
+        <a:srgbClr val="A5A5A5"/>
+      </a:accent3>
+      <a:accent4>
+        <a:srgbClr val="FFC000"/>
+      </a:accent4>
+      <a:accent5>
+        <a:srgbClr val="5B9BD5"/>
+      </a:accent5>
+      <a:accent6>
+        <a:srgbClr val="70AD47"/>
+      </a:accent6>
+      <a:hlink>
+        <a:srgbClr val="0563C1"/>
+      </a:hlink>
+      <a:folHlink>
+        <a:srgbClr val="954F72"/>
+      </a:folHlink>
+    </a:clrScheme>
+    <a:fontScheme name="Office">
+      <a:majorFont>
+        <a:latin typeface="等线 Light" panose="020F0302020204030204"/>
+        <a:ea typeface=""/>
+        <a:cs typeface=""/>
+        <a:font script="Jpan" typeface="游ゴシック Light"/>
+        <a:font script="Hang" typeface="맑은 고딕"/>
+        <a:font script="Hans" typeface="等线 Light"/>
+        <a:font script="Hant" typeface="新細明體"/>
+        <a:font script="Arab" typeface="Times New Roman"/>
+        <a:font script="Hebr" typeface="Times New Roman"/>
+        <a:font script="Thai" typeface="Angsana New"/>
+        <a:font script="Ethi" typeface="Nyala"/>
+        <a:font script="Beng" typeface="Vrinda"/>
+        <a:font script="Gujr" typeface="Shruti"/>
+        <a:font script="Khmr" typeface="MoolBoran"/>
+        <a:font script="Knda" typeface="Tunga"/>
+        <a:font script="Guru" typeface="Raavi"/>
+        <a:font script="Cans" typeface="Euphemia"/>
+        <a:font script="Cher" typeface="Plantagenet Cherokee"/>
+        <a:font script="Yiii" typeface="Microsoft Yi Baiti"/>
+        <a:font script="Tibt" typeface="Microsoft Himalaya"/>
+        <a:font script="Thaa" typeface="MV Boli"/>
+        <a:font script="Deva" typeface="Mangal"/>
+        <a:font script="Telu" typeface="Gautami"/>
+        <a:font script="Taml" typeface="Latha"/>
+        <a:font script="Syrc" typeface="Estrangelo Edessa"/>
+        <a:font script="Orya" typeface="Kalinga"/>
+        <a:font script="Mlym" typeface="Kartika"/>
+        <a:font script="Laoo" typeface="DokChampa"/>
+        <a:font script="Sinh" typeface="Iskoola Pota"/>
+        <a:font script="Mong" typeface="Mongolian Baiti"/>
+        <a:font script="Viet" typeface="Times New Roman"/>
+        <a:font script="Uigh" typeface="Microsoft Uighur"/>
+        <a:font script="Geor" typeface="Sylfaen"/>
+        <a:font script="Armn" typeface="Arial"/>
+        <a:font script="Bugi" typeface="Leelawadee UI"/>
+        <a:font script="Bopo" typeface="Microsoft JhengHei"/>
+        <a:font script="Java" typeface="Javanese Text"/>
+        <a:font script="Lisu" typeface="Segoe UI"/>
+        <a:font script="Mymr" typeface="Myanmar Text"/>
+        <a:font script="Nkoo" typeface="Ebrima"/>
+        <a:font script="Olck" typeface="Nirmala UI"/>
+        <a:font script="Osma" typeface="Ebrima"/>
+        <a:font script="Phag" typeface="Phagspa"/>
+        <a:font script="Syrn" typeface="Estrangelo Edessa"/>
+        <a:font script="Syrj" typeface="Estrangelo Edessa"/>
+        <a:font script="Syre" typeface="Estrangelo Edessa"/>
+        <a:font script="Sora" typeface="Nirmala UI"/>
+        <a:font script="Tale" typeface="Microsoft Tai Le"/>
+        <a:font script="Talu" typeface="Microsoft New Tai Lue"/>
+        <a:font script="Tfng" typeface="Ebrima"/>
+      </a:majorFont>
+      <a:minorFont>
+        <a:latin typeface="等线" panose="020F0502020204030204"/>
+        <a:ea typeface=""/>
+        <a:cs typeface=""/>
+        <a:font script="Jpan" typeface="游ゴシック"/>
+        <a:font script="Hang" typeface="맑은 고딕"/>
+        <a:font script="Hans" typeface="等线"/>
+        <a:font script="Hant" typeface="新細明體"/>
+        <a:font script="Arab" typeface="Arial"/>
+        <a:font script="Hebr" typeface="Arial"/>
+        <a:font script="Thai" typeface="Cordia New"/>
+        <a:font script="Ethi" typeface="Nyala"/>
+        <a:font script="Beng" typeface="Vrinda"/>
+        <a:font script="Gujr" typeface="Shruti"/>
+        <a:font script="Khmr" typeface="DaunPenh"/>
+        <a:font script="Knda" typeface="Tunga"/>
+        <a:font script="Guru" typeface="Raavi"/>
+        <a:font script="Cans" typeface="Euphemia"/>
+        <a:font script="Cher" typeface="Plantagenet Cherokee"/>
+        <a:font script="Yiii" typeface="Microsoft Yi Baiti"/>
+        <a:font script="Tibt" typeface="Microsoft Himalaya"/>
+        <a:font script="Thaa" typeface="MV Boli"/>
+        <a:font script="Deva" typeface="Mangal"/>
+        <a:font script="Telu" typeface="Gautami"/>
+        <a:font script="Taml" typeface="Latha"/>
+        <a:font script="Syrc" typeface="Estrangelo Edessa"/>
+        <a:font script="Orya" typeface="Kalinga"/>
+        <a:font script="Mlym" typeface="Kartika"/>
+        <a:font script="Laoo" typeface="DokChampa"/>
+        <a:font script="Sinh" typeface="Iskoola Pota"/>
+        <a:font script="Mong" typeface="Mongolian Baiti"/>
+        <a:font script="Viet" typeface="Arial"/>
+        <a:font script="Uigh" typeface="Microsoft Uighur"/>
+        <a:font script="Geor" typeface="Sylfaen"/>
+        <a:font script="Armn" typeface="Arial"/>
+        <a:font script="Bugi" typeface="Leelawadee UI"/>
+        <a:font script="Bopo" typeface="Microsoft JhengHei"/>
+        <a:font script="Java" typeface="Javanese Text"/>
+        <a:font script="Lisu" typeface="Segoe UI"/>
+        <a:font script="Mymr" typeface="Myanmar Text"/>
+        <a:font script="Nkoo" typeface="Ebrima"/>
+        <a:font script="Olck" typeface="Nirmala UI"/>
+        <a:font script="Osma" typeface="Ebrima"/>
+        <a:font script="Phag" typeface="Phagspa"/>
+        <a:font script="Syrn" typeface="Estrangelo Edessa"/>
+        <a:font script="Syrj" typeface="Estrangelo Edessa"/>
+        <a:font script="Syre" typeface="Estrangelo Edessa"/>
+        <a:font script="Sora" typeface="Nirmala UI"/>
+        <a:font script="Tale" typeface="Microsoft Tai Le"/>
+        <a:font script="Talu" typeface="Microsoft New Tai Lue"/>
+        <a:font script="Tfng" typeface="Ebrima"/>
+      </a:minorFont>
+    </a:fontScheme>
+    <a:fmtScheme name="Office">
+      <a:fillStyleLst>
+        <a:solidFill>
+          <a:schemeClr val="phClr"/>
+        </a:solidFill>
+        <a:gradFill rotWithShape="1">
+          <a:gsLst>
+            <a:gs pos="0">
+              <a:schemeClr val="phClr">
+                <a:lumMod val="110000"/>
+                <a:satMod val="105000"/>
+                <a:tint val="67000"/>
+              </a:schemeClr>
+            </a:gs>
+            <a:gs pos="50000">
+              <a:schemeClr val="phClr">
+                <a:lumMod val="105000"/>
+                <a:satMod val="103000"/>
+                <a:tint val="73000"/>
+              </a:schemeClr>
+            </a:gs>
+            <a:gs pos="100000">
+              <a:schemeClr val="phClr">
+                <a:lumMod val="105000"/>
+                <a:satMod val="109000"/>
+                <a:tint val="81000"/>
+              </a:schemeClr>
+            </a:gs>
+          </a:gsLst>
+          <a:lin ang="5400000" scaled="0"/>
+        </a:gradFill>
+        <a:gradFill rotWithShape="1">
+          <a:gsLst>
+            <a:gs pos="0">
+              <a:schemeClr val="phClr">
+                <a:satMod val="103000"/>
+                <a:lumMod val="102000"/>
+                <a:tint val="94000"/>
+              </a:schemeClr>
+            </a:gs>
+            <a:gs pos="50000">
+              <a:schemeClr val="phClr">
+                <a:satMod val="110000"/>
+                <a:lumMod val="100000"/>
+                <a:shade val="100000"/>
+              </a:schemeClr>
+            </a:gs>
+            <a:gs pos="100000">
+              <a:schemeClr val="phClr">
+                <a:lumMod val="99000"/>
+                <a:satMod val="120000"/>
+                <a:shade val="78000"/>
+              </a:schemeClr>
+            </a:gs>
+          </a:gsLst>
+          <a:lin ang="5400000" scaled="0"/>
+        </a:gradFill>
+      </a:fillStyleLst>
+      <a:lnStyleLst>
+        <a:ln w="6350" cap="flat" cmpd="sng" algn="ctr">
+          <a:solidFill>
+            <a:schemeClr val="phClr"/>
+          </a:solidFill>
+          <a:prstDash val="solid"/>
+          <a:miter lim="800000"/>
+        </a:ln>
+        <a:ln w="12700" cap="flat" cmpd="sng" algn="ctr">
+          <a:solidFill>
+            <a:schemeClr val="phClr"/>
+          </a:solidFill>
+          <a:prstDash val="solid"/>
+          <a:miter lim="800000"/>
+        </a:ln>
+        <a:ln w="19050" cap="flat" cmpd="sng" algn="ctr">
+          <a:solidFill>
+            <a:schemeClr val="phClr"/>
+          </a:solidFill>
+          <a:prstDash val="solid"/>
+          <a:miter lim="800000"/>
+        </a:ln>
+      </a:lnStyleLst>
+      <a:effectStyleLst>
+        <a:effectStyle>
+          <a:effectLst/>
+        </a:effectStyle>
+        <a:effectStyle>
+          <a:effectLst/>
+        </a:effectStyle>
+        <a:effectStyle>
+          <a:effectLst>
+            <a:outerShdw blurRad="57150" dist="19050" dir="5400000" algn="ctr" rotWithShape="0">
+              <a:srgbClr val="000000">
+                <a:alpha val="63000"/>
+              </a:srgbClr>
+            </a:outerShdw>
+          </a:effectLst>
+        </a:effectStyle>
+      </a:effectStyleLst>
+      <a:bgFillStyleLst>
+        <a:solidFill>
+          <a:schemeClr val="phClr"/>
+        </a:solidFill>
+        <a:solidFill>
+          <a:schemeClr val="phClr">
+            <a:tint val="95000"/>
+            <a:satMod val="170000"/>
+          </a:schemeClr>
+        </a:solidFill>
+        <a:gradFill rotWithShape="1">
+          <a:gsLst>
+            <a:gs pos="0">
+              <a:schemeClr val="phClr">
+                <a:tint val="93000"/>
+                <a:satMod val="150000"/>
+                <a:shade val="98000"/>
+                <a:lumMod val="102000"/>
+              </a:schemeClr>
+            </a:gs>
+            <a:gs pos="50000">
+              <a:schemeClr val="phClr">
+                <a:tint val="98000"/>
+                <a:satMod val="130000"/>
+                <a:shade val="90000"/>
+                <a:lumMod val="103000"/>
+              </a:schemeClr>
+            </a:gs>
+            <a:gs pos="100000">
+              <a:schemeClr val="phClr">
+                <a:shade val="63000"/>
+                <a:satMod val="120000"/>
+              </a:schemeClr>
+            </a:gs>
+          </a:gsLst>
+          <a:lin ang="5400000" scaled="0"/>
+        </a:gradFill>
+      </a:bgFillStyleLst>
+    </a:fmtScheme>
+  </a:themeElements>
+  <a:objectDefaults/>
+  <a:extraClrSchemeLst/>
+  <a:extLst>
+    <a:ext uri="{05A4C25C-085E-4340-85A3-A5531E510DB2}">
+      <thm15:themeFamily xmlns:thm15="http://schemas.microsoft.com/office/thememl/2012/main" name="Office Theme" id="{62F939B6-93AF-4DB8-9C6B-D6C7DFDC589F}" vid="{4A3C46E8-61CC-4603-A589-7422A47A8E4A}"/>
+    </a:ext>
+  </a:extLst>
+</a:theme>
 </file>